--- a/data scraping.pptx
+++ b/data scraping.pptx
@@ -309,7 +309,7 @@
           <a:p>
             <a:fld id="{457D2F0D-387A-41C7-A8E5-D472A36EB0D7}" type="datetimeFigureOut">
               <a:rPr lang="en-GB" smtClean="0"/>
-              <a:t>15/03/2023</a:t>
+              <a:t>20/03/2023</a:t>
             </a:fld>
             <a:endParaRPr lang="en-GB"/>
           </a:p>
@@ -647,7 +647,7 @@
           <a:p>
             <a:fld id="{457D2F0D-387A-41C7-A8E5-D472A36EB0D7}" type="datetimeFigureOut">
               <a:rPr lang="en-GB" smtClean="0"/>
-              <a:t>15/03/2023</a:t>
+              <a:t>20/03/2023</a:t>
             </a:fld>
             <a:endParaRPr lang="en-GB"/>
           </a:p>
@@ -1048,7 +1048,7 @@
           <a:p>
             <a:fld id="{457D2F0D-387A-41C7-A8E5-D472A36EB0D7}" type="datetimeFigureOut">
               <a:rPr lang="en-GB" smtClean="0"/>
-              <a:t>15/03/2023</a:t>
+              <a:t>20/03/2023</a:t>
             </a:fld>
             <a:endParaRPr lang="en-GB"/>
           </a:p>
@@ -1384,7 +1384,7 @@
           <a:p>
             <a:fld id="{457D2F0D-387A-41C7-A8E5-D472A36EB0D7}" type="datetimeFigureOut">
               <a:rPr lang="en-GB" smtClean="0"/>
-              <a:t>15/03/2023</a:t>
+              <a:t>20/03/2023</a:t>
             </a:fld>
             <a:endParaRPr lang="en-GB"/>
           </a:p>
@@ -1704,7 +1704,7 @@
           <a:p>
             <a:fld id="{457D2F0D-387A-41C7-A8E5-D472A36EB0D7}" type="datetimeFigureOut">
               <a:rPr lang="en-GB" smtClean="0"/>
-              <a:t>15/03/2023</a:t>
+              <a:t>20/03/2023</a:t>
             </a:fld>
             <a:endParaRPr lang="en-GB"/>
           </a:p>
@@ -2100,7 +2100,7 @@
           <a:p>
             <a:fld id="{457D2F0D-387A-41C7-A8E5-D472A36EB0D7}" type="datetimeFigureOut">
               <a:rPr lang="en-GB" smtClean="0"/>
-              <a:t>15/03/2023</a:t>
+              <a:t>20/03/2023</a:t>
             </a:fld>
             <a:endParaRPr lang="en-GB"/>
           </a:p>
@@ -2357,7 +2357,7 @@
           <a:p>
             <a:fld id="{457D2F0D-387A-41C7-A8E5-D472A36EB0D7}" type="datetimeFigureOut">
               <a:rPr lang="en-GB" smtClean="0"/>
-              <a:t>15/03/2023</a:t>
+              <a:t>20/03/2023</a:t>
             </a:fld>
             <a:endParaRPr lang="en-GB"/>
           </a:p>
@@ -2619,7 +2619,7 @@
           <a:p>
             <a:fld id="{457D2F0D-387A-41C7-A8E5-D472A36EB0D7}" type="datetimeFigureOut">
               <a:rPr lang="en-GB" smtClean="0"/>
-              <a:t>15/03/2023</a:t>
+              <a:t>20/03/2023</a:t>
             </a:fld>
             <a:endParaRPr lang="en-GB"/>
           </a:p>
@@ -2881,7 +2881,7 @@
           <a:p>
             <a:fld id="{457D2F0D-387A-41C7-A8E5-D472A36EB0D7}" type="datetimeFigureOut">
               <a:rPr lang="en-GB" smtClean="0"/>
-              <a:t>15/03/2023</a:t>
+              <a:t>20/03/2023</a:t>
             </a:fld>
             <a:endParaRPr lang="en-GB"/>
           </a:p>
@@ -3210,7 +3210,7 @@
           <a:p>
             <a:fld id="{457D2F0D-387A-41C7-A8E5-D472A36EB0D7}" type="datetimeFigureOut">
               <a:rPr lang="en-GB" smtClean="0"/>
-              <a:t>15/03/2023</a:t>
+              <a:t>20/03/2023</a:t>
             </a:fld>
             <a:endParaRPr lang="en-GB"/>
           </a:p>
@@ -3533,7 +3533,7 @@
           <a:p>
             <a:fld id="{457D2F0D-387A-41C7-A8E5-D472A36EB0D7}" type="datetimeFigureOut">
               <a:rPr lang="en-GB" smtClean="0"/>
-              <a:t>15/03/2023</a:t>
+              <a:t>20/03/2023</a:t>
             </a:fld>
             <a:endParaRPr lang="en-GB"/>
           </a:p>
@@ -3990,7 +3990,7 @@
           <a:p>
             <a:fld id="{457D2F0D-387A-41C7-A8E5-D472A36EB0D7}" type="datetimeFigureOut">
               <a:rPr lang="en-GB" smtClean="0"/>
-              <a:t>15/03/2023</a:t>
+              <a:t>20/03/2023</a:t>
             </a:fld>
             <a:endParaRPr lang="en-GB"/>
           </a:p>
@@ -4195,7 +4195,7 @@
           <a:p>
             <a:fld id="{457D2F0D-387A-41C7-A8E5-D472A36EB0D7}" type="datetimeFigureOut">
               <a:rPr lang="en-GB" smtClean="0"/>
-              <a:t>15/03/2023</a:t>
+              <a:t>20/03/2023</a:t>
             </a:fld>
             <a:endParaRPr lang="en-GB"/>
           </a:p>
@@ -4372,7 +4372,7 @@
           <a:p>
             <a:fld id="{457D2F0D-387A-41C7-A8E5-D472A36EB0D7}" type="datetimeFigureOut">
               <a:rPr lang="en-GB" smtClean="0"/>
-              <a:t>15/03/2023</a:t>
+              <a:t>20/03/2023</a:t>
             </a:fld>
             <a:endParaRPr lang="en-GB"/>
           </a:p>
@@ -4705,7 +4705,7 @@
           <a:p>
             <a:fld id="{457D2F0D-387A-41C7-A8E5-D472A36EB0D7}" type="datetimeFigureOut">
               <a:rPr lang="en-GB" smtClean="0"/>
-              <a:t>15/03/2023</a:t>
+              <a:t>20/03/2023</a:t>
             </a:fld>
             <a:endParaRPr lang="en-GB"/>
           </a:p>
@@ -5050,7 +5050,7 @@
           <a:p>
             <a:fld id="{457D2F0D-387A-41C7-A8E5-D472A36EB0D7}" type="datetimeFigureOut">
               <a:rPr lang="en-GB" smtClean="0"/>
-              <a:t>15/03/2023</a:t>
+              <a:t>20/03/2023</a:t>
             </a:fld>
             <a:endParaRPr lang="en-GB"/>
           </a:p>
@@ -7167,7 +7167,7 @@
           <a:p>
             <a:fld id="{457D2F0D-387A-41C7-A8E5-D472A36EB0D7}" type="datetimeFigureOut">
               <a:rPr lang="en-GB" smtClean="0"/>
-              <a:t>15/03/2023</a:t>
+              <a:t>20/03/2023</a:t>
             </a:fld>
             <a:endParaRPr lang="en-GB"/>
           </a:p>
@@ -8308,14 +8308,6 @@
               <a:rPr lang="en-GB" dirty="0">
                 <a:sym typeface="Wingdings" panose="05000000000000000000" pitchFamily="2" charset="2"/>
               </a:rPr>
-              <a:t>Team</a:t>
-            </a:r>
-          </a:p>
-          <a:p>
-            <a:r>
-              <a:rPr lang="en-GB" dirty="0">
-                <a:sym typeface="Wingdings" panose="05000000000000000000" pitchFamily="2" charset="2"/>
-              </a:rPr>
               <a:t>Our country was changed from Brazil to Sweden on 1</a:t>
             </a:r>
             <a:r>
@@ -8337,6 +8329,14 @@
                 <a:sym typeface="Wingdings" panose="05000000000000000000" pitchFamily="2" charset="2"/>
               </a:rPr>
               <a:t>I found data source on the same day.</a:t>
+            </a:r>
+          </a:p>
+          <a:p>
+            <a:r>
+              <a:rPr lang="en-GB" dirty="0">
+                <a:sym typeface="Wingdings" panose="05000000000000000000" pitchFamily="2" charset="2"/>
+              </a:rPr>
+              <a:t>Team</a:t>
             </a:r>
           </a:p>
           <a:p>
@@ -8517,7 +8517,7 @@
         <p:spPr>
           <a:xfrm>
             <a:off x="2589212" y="1905000"/>
-            <a:ext cx="8915400" cy="4470400"/>
+            <a:ext cx="8915400" cy="4953000"/>
           </a:xfrm>
         </p:spPr>
         <p:txBody>
@@ -8530,8 +8530,32 @@
               <a:buNone/>
             </a:pPr>
             <a:r>
-              <a:rPr lang="en-GB" b="1" dirty="0"/>
+              <a:rPr lang="en-GB" sz="1900" b="1" dirty="0"/>
               <a:t>All data is displayed in one page:</a:t>
+            </a:r>
+            <a:endParaRPr lang="en-GB" dirty="0"/>
+          </a:p>
+          <a:p>
+            <a:r>
+              <a:rPr lang="en-GB" dirty="0"/>
+              <a:t>Effective use </a:t>
+            </a:r>
+            <a:r>
+              <a:rPr lang="en-GB"/>
+              <a:t>of filters.</a:t>
+            </a:r>
+          </a:p>
+          <a:p>
+            <a:r>
+              <a:rPr lang="en-GB" dirty="0"/>
+              <a:t>You need to click to see phone number and email address.</a:t>
+            </a:r>
+          </a:p>
+          <a:p>
+            <a:pPr lvl="1"/>
+            <a:r>
+              <a:rPr lang="en-GB" dirty="0"/>
+              <a:t>Particularly clicked via code.</a:t>
             </a:r>
           </a:p>
           <a:p>
@@ -8550,6 +8574,77 @@
           <a:p>
             <a:r>
               <a:rPr lang="en-GB" dirty="0"/>
+              <a:t>Memory overload</a:t>
+            </a:r>
+          </a:p>
+          <a:p>
+            <a:pPr lvl="1"/>
+            <a:r>
+              <a:rPr lang="en-GB" dirty="0"/>
+              <a:t>Scraped data rows are particularly deleted from html via code.</a:t>
+            </a:r>
+          </a:p>
+          <a:p>
+            <a:pPr lvl="1"/>
+            <a:r>
+              <a:rPr lang="en-GB" dirty="0"/>
+              <a:t>Program restarts itself when filter is needed to be changed.</a:t>
+            </a:r>
+          </a:p>
+          <a:p>
+            <a:r>
+              <a:rPr lang="en-GB" dirty="0"/>
+              <a:t>Even if you keep scrolling down, more than about 10k rows are not loaded.</a:t>
+            </a:r>
+          </a:p>
+          <a:p>
+            <a:pPr lvl="1"/>
+            <a:r>
+              <a:rPr lang="en-GB" dirty="0"/>
+              <a:t>This requires filters to be used effectively.</a:t>
+            </a:r>
+          </a:p>
+          <a:p>
+            <a:pPr lvl="1"/>
+            <a:r>
+              <a:rPr lang="en-GB" dirty="0"/>
+              <a:t>My 1</a:t>
+            </a:r>
+            <a:r>
+              <a:rPr lang="en-GB" baseline="30000" dirty="0"/>
+              <a:t>st</a:t>
+            </a:r>
+            <a:r>
+              <a:rPr lang="en-GB" dirty="0"/>
+              <a:t> approach was to go region by region.</a:t>
+            </a:r>
+          </a:p>
+          <a:p>
+            <a:pPr lvl="1"/>
+            <a:r>
+              <a:rPr lang="en-GB" dirty="0"/>
+              <a:t>2</a:t>
+            </a:r>
+            <a:r>
+              <a:rPr lang="en-GB" baseline="30000" dirty="0"/>
+              <a:t>nd</a:t>
+            </a:r>
+            <a:r>
+              <a:rPr lang="en-GB" dirty="0"/>
+              <a:t> one was to use ‘</a:t>
+            </a:r>
+            <a:r>
+              <a:rPr lang="en-GB" b="1" dirty="0"/>
+              <a:t>corporation date start and end</a:t>
+            </a:r>
+            <a:r>
+              <a:rPr lang="en-GB" dirty="0"/>
+              <a:t>’ filters.</a:t>
+            </a:r>
+          </a:p>
+          <a:p>
+            <a:r>
+              <a:rPr lang="en-GB" dirty="0"/>
               <a:t>Resizing browser windows was needed and done via code.</a:t>
             </a:r>
           </a:p>
@@ -8559,94 +8654,6 @@
               <a:rPr lang="en-GB" dirty="0"/>
               <a:t>Particularly coded.</a:t>
             </a:r>
-          </a:p>
-          <a:p>
-            <a:r>
-              <a:rPr lang="en-GB" dirty="0"/>
-              <a:t>You need to click to see phone number and email address.</a:t>
-            </a:r>
-          </a:p>
-          <a:p>
-            <a:pPr lvl="1"/>
-            <a:r>
-              <a:rPr lang="en-GB" dirty="0"/>
-              <a:t>Particularly clicked via code.</a:t>
-            </a:r>
-          </a:p>
-          <a:p>
-            <a:r>
-              <a:rPr lang="en-GB" dirty="0"/>
-              <a:t>Memory overload</a:t>
-            </a:r>
-          </a:p>
-          <a:p>
-            <a:pPr lvl="1"/>
-            <a:r>
-              <a:rPr lang="en-GB" dirty="0"/>
-              <a:t>Scraped data rows are particularly deleted from html via code.</a:t>
-            </a:r>
-          </a:p>
-          <a:p>
-            <a:pPr lvl="1"/>
-            <a:r>
-              <a:rPr lang="en-GB" dirty="0"/>
-              <a:t>Program restarts itself when filter is needed to be changed.</a:t>
-            </a:r>
-          </a:p>
-          <a:p>
-            <a:r>
-              <a:rPr lang="en-GB" dirty="0"/>
-              <a:t>Even if you keep scrolling down, more than about 10k rows are not loaded.</a:t>
-            </a:r>
-          </a:p>
-          <a:p>
-            <a:pPr lvl="1"/>
-            <a:r>
-              <a:rPr lang="en-GB" dirty="0"/>
-              <a:t>This requires filters to be used effectively.</a:t>
-            </a:r>
-          </a:p>
-          <a:p>
-            <a:pPr lvl="1"/>
-            <a:r>
-              <a:rPr lang="en-GB" dirty="0"/>
-              <a:t>My 1</a:t>
-            </a:r>
-            <a:r>
-              <a:rPr lang="en-GB" baseline="30000" dirty="0"/>
-              <a:t>st</a:t>
-            </a:r>
-            <a:r>
-              <a:rPr lang="en-GB" dirty="0"/>
-              <a:t> approach was to go region by region.</a:t>
-            </a:r>
-          </a:p>
-          <a:p>
-            <a:pPr lvl="1"/>
-            <a:r>
-              <a:rPr lang="en-GB" dirty="0"/>
-              <a:t>2</a:t>
-            </a:r>
-            <a:r>
-              <a:rPr lang="en-GB" baseline="30000" dirty="0"/>
-              <a:t>nd</a:t>
-            </a:r>
-            <a:r>
-              <a:rPr lang="en-GB" dirty="0"/>
-              <a:t> one was to use ‘</a:t>
-            </a:r>
-            <a:r>
-              <a:rPr lang="en-GB" b="1" dirty="0"/>
-              <a:t>corporation date start and end</a:t>
-            </a:r>
-            <a:r>
-              <a:rPr lang="en-GB" dirty="0"/>
-              <a:t>’ filters.</a:t>
-            </a:r>
-          </a:p>
-          <a:p>
-            <a:pPr lvl="1"/>
-            <a:endParaRPr lang="en-GB" dirty="0"/>
           </a:p>
         </p:txBody>
       </p:sp>

--- a/data scraping.pptx
+++ b/data scraping.pptx
@@ -8522,27 +8522,105 @@
         </p:spPr>
         <p:txBody>
           <a:bodyPr>
-            <a:normAutofit fontScale="92500" lnSpcReduction="20000"/>
+            <a:normAutofit lnSpcReduction="10000"/>
           </a:bodyPr>
           <a:lstStyle/>
           <a:p>
-            <a:pPr marL="0" indent="0">
-              <a:buNone/>
-            </a:pPr>
-            <a:r>
-              <a:rPr lang="en-GB" sz="1900" b="1" dirty="0"/>
+            <a:r>
+              <a:rPr lang="en-GB" sz="1800" b="1" dirty="0"/>
               <a:t>All data is displayed in one page:</a:t>
             </a:r>
             <a:endParaRPr lang="en-GB" dirty="0"/>
           </a:p>
           <a:p>
+            <a:pPr lvl="1"/>
             <a:r>
               <a:rPr lang="en-GB" dirty="0"/>
-              <a:t>Effective use </a:t>
-            </a:r>
-            <a:r>
-              <a:rPr lang="en-GB"/>
-              <a:t>of filters.</a:t>
+              <a:t>You need to scroll down to load new data rows.</a:t>
+            </a:r>
+          </a:p>
+          <a:p>
+            <a:pPr lvl="2"/>
+            <a:r>
+              <a:rPr lang="en-GB" dirty="0"/>
+              <a:t>Particularly coded.</a:t>
+            </a:r>
+          </a:p>
+          <a:p>
+            <a:pPr lvl="1"/>
+            <a:r>
+              <a:rPr lang="en-GB" dirty="0"/>
+              <a:t>Memory overload</a:t>
+            </a:r>
+          </a:p>
+          <a:p>
+            <a:pPr lvl="2"/>
+            <a:r>
+              <a:rPr lang="en-GB" dirty="0"/>
+              <a:t>Scraped data rows are particularly deleted from html via code.</a:t>
+            </a:r>
+          </a:p>
+          <a:p>
+            <a:pPr lvl="2"/>
+            <a:r>
+              <a:rPr lang="en-GB" dirty="0"/>
+              <a:t>Program restarts itself when filter is needed to be changed.</a:t>
+            </a:r>
+          </a:p>
+          <a:p>
+            <a:pPr lvl="1"/>
+            <a:r>
+              <a:rPr lang="en-GB" dirty="0"/>
+              <a:t>Even if you keep scrolling down, more than about 10k rows are not loaded.</a:t>
+            </a:r>
+          </a:p>
+          <a:p>
+            <a:pPr lvl="1"/>
+            <a:r>
+              <a:rPr lang="en-GB" b="1" dirty="0"/>
+              <a:t>Solution: </a:t>
+            </a:r>
+            <a:r>
+              <a:rPr lang="en-GB" dirty="0"/>
+              <a:t>Effective use of filters.</a:t>
+            </a:r>
+          </a:p>
+          <a:p>
+            <a:pPr lvl="2"/>
+            <a:r>
+              <a:rPr lang="en-GB" dirty="0"/>
+              <a:t>My 1</a:t>
+            </a:r>
+            <a:r>
+              <a:rPr lang="en-GB" baseline="30000" dirty="0"/>
+              <a:t>st</a:t>
+            </a:r>
+            <a:r>
+              <a:rPr lang="en-GB" dirty="0"/>
+              <a:t> approach was to go region by region.</a:t>
+            </a:r>
+          </a:p>
+          <a:p>
+            <a:pPr lvl="2"/>
+            <a:r>
+              <a:rPr lang="en-GB" dirty="0"/>
+              <a:t>2</a:t>
+            </a:r>
+            <a:r>
+              <a:rPr lang="en-GB" baseline="30000" dirty="0"/>
+              <a:t>nd</a:t>
+            </a:r>
+            <a:r>
+              <a:rPr lang="en-GB" dirty="0"/>
+              <a:t> one was to use ‘</a:t>
+            </a:r>
+            <a:r>
+              <a:rPr lang="en-GB" b="1" dirty="0"/>
+              <a:t>corporation date start and end</a:t>
+            </a:r>
+            <a:r>
+              <a:rPr lang="en-GB" dirty="0"/>
+              <a:t>’ filters.</a:t>
             </a:r>
           </a:p>
           <a:p>
@@ -8556,90 +8634,6 @@
             <a:r>
               <a:rPr lang="en-GB" dirty="0"/>
               <a:t>Particularly clicked via code.</a:t>
-            </a:r>
-          </a:p>
-          <a:p>
-            <a:r>
-              <a:rPr lang="en-GB" dirty="0"/>
-              <a:t>You need to scroll down to load new data rows.</a:t>
-            </a:r>
-          </a:p>
-          <a:p>
-            <a:pPr lvl="1"/>
-            <a:r>
-              <a:rPr lang="en-GB" dirty="0"/>
-              <a:t>Particularly coded.</a:t>
-            </a:r>
-          </a:p>
-          <a:p>
-            <a:r>
-              <a:rPr lang="en-GB" dirty="0"/>
-              <a:t>Memory overload</a:t>
-            </a:r>
-          </a:p>
-          <a:p>
-            <a:pPr lvl="1"/>
-            <a:r>
-              <a:rPr lang="en-GB" dirty="0"/>
-              <a:t>Scraped data rows are particularly deleted from html via code.</a:t>
-            </a:r>
-          </a:p>
-          <a:p>
-            <a:pPr lvl="1"/>
-            <a:r>
-              <a:rPr lang="en-GB" dirty="0"/>
-              <a:t>Program restarts itself when filter is needed to be changed.</a:t>
-            </a:r>
-          </a:p>
-          <a:p>
-            <a:r>
-              <a:rPr lang="en-GB" dirty="0"/>
-              <a:t>Even if you keep scrolling down, more than about 10k rows are not loaded.</a:t>
-            </a:r>
-          </a:p>
-          <a:p>
-            <a:pPr lvl="1"/>
-            <a:r>
-              <a:rPr lang="en-GB" dirty="0"/>
-              <a:t>This requires filters to be used effectively.</a:t>
-            </a:r>
-          </a:p>
-          <a:p>
-            <a:pPr lvl="1"/>
-            <a:r>
-              <a:rPr lang="en-GB" dirty="0"/>
-              <a:t>My 1</a:t>
-            </a:r>
-            <a:r>
-              <a:rPr lang="en-GB" baseline="30000" dirty="0"/>
-              <a:t>st</a:t>
-            </a:r>
-            <a:r>
-              <a:rPr lang="en-GB" dirty="0"/>
-              <a:t> approach was to go region by region.</a:t>
-            </a:r>
-          </a:p>
-          <a:p>
-            <a:pPr lvl="1"/>
-            <a:r>
-              <a:rPr lang="en-GB" dirty="0"/>
-              <a:t>2</a:t>
-            </a:r>
-            <a:r>
-              <a:rPr lang="en-GB" baseline="30000" dirty="0"/>
-              <a:t>nd</a:t>
-            </a:r>
-            <a:r>
-              <a:rPr lang="en-GB" dirty="0"/>
-              <a:t> one was to use ‘</a:t>
-            </a:r>
-            <a:r>
-              <a:rPr lang="en-GB" b="1" dirty="0"/>
-              <a:t>corporation date start and end</a:t>
-            </a:r>
-            <a:r>
-              <a:rPr lang="en-GB" dirty="0"/>
-              <a:t>’ filters.</a:t>
             </a:r>
           </a:p>
           <a:p>

--- a/data scraping.pptx
+++ b/data scraping.pptx
@@ -7911,7 +7911,10 @@
             </a:r>
           </a:p>
           <a:p>
-            <a:pPr lvl="1"/>
+            <a:pPr lvl="1">
+              <a:buFont typeface="Wingdings" panose="05000000000000000000" pitchFamily="2" charset="2"/>
+              <a:buChar char="Ø"/>
+            </a:pPr>
             <a:r>
               <a:rPr lang="en-GB" dirty="0"/>
               <a:t>I.e. Click ‘show phone’ and ‘show email’ buttons 10 by 10, instead of 1 by 1.</a:t>
@@ -8533,49 +8536,70 @@
             <a:endParaRPr lang="en-GB" dirty="0"/>
           </a:p>
           <a:p>
-            <a:pPr lvl="1"/>
+            <a:pPr marL="800100" lvl="1" indent="-342900">
+              <a:buFont typeface="+mj-lt"/>
+              <a:buAutoNum type="arabicPeriod"/>
+            </a:pPr>
             <a:r>
               <a:rPr lang="en-GB" dirty="0"/>
               <a:t>You need to scroll down to load new data rows.</a:t>
             </a:r>
           </a:p>
           <a:p>
-            <a:pPr lvl="2"/>
+            <a:pPr lvl="2">
+              <a:buFont typeface="Wingdings" panose="05000000000000000000" pitchFamily="2" charset="2"/>
+              <a:buChar char="Ø"/>
+            </a:pPr>
             <a:r>
               <a:rPr lang="en-GB" dirty="0"/>
               <a:t>Particularly coded.</a:t>
             </a:r>
           </a:p>
           <a:p>
-            <a:pPr lvl="1"/>
+            <a:pPr marL="800100" lvl="1" indent="-342900">
+              <a:buFont typeface="+mj-lt"/>
+              <a:buAutoNum type="arabicPeriod"/>
+            </a:pPr>
             <a:r>
               <a:rPr lang="en-GB" dirty="0"/>
               <a:t>Memory overload</a:t>
             </a:r>
           </a:p>
           <a:p>
-            <a:pPr lvl="2"/>
+            <a:pPr lvl="2">
+              <a:buFont typeface="Wingdings" panose="05000000000000000000" pitchFamily="2" charset="2"/>
+              <a:buChar char="Ø"/>
+            </a:pPr>
             <a:r>
               <a:rPr lang="en-GB" dirty="0"/>
               <a:t>Scraped data rows are particularly deleted from html via code.</a:t>
             </a:r>
           </a:p>
           <a:p>
-            <a:pPr lvl="2"/>
+            <a:pPr lvl="2">
+              <a:buFont typeface="Wingdings" panose="05000000000000000000" pitchFamily="2" charset="2"/>
+              <a:buChar char="Ø"/>
+            </a:pPr>
             <a:r>
               <a:rPr lang="en-GB" dirty="0"/>
               <a:t>Program restarts itself when filter is needed to be changed.</a:t>
             </a:r>
           </a:p>
           <a:p>
-            <a:pPr lvl="1"/>
+            <a:pPr marL="800100" lvl="1" indent="-342900">
+              <a:buFont typeface="+mj-lt"/>
+              <a:buAutoNum type="arabicPeriod"/>
+            </a:pPr>
             <a:r>
               <a:rPr lang="en-GB" dirty="0"/>
               <a:t>Even if you keep scrolling down, more than about 10k rows are not loaded.</a:t>
             </a:r>
           </a:p>
           <a:p>
-            <a:pPr lvl="1"/>
+            <a:pPr lvl="1">
+              <a:buFont typeface="Wingdings" panose="05000000000000000000" pitchFamily="2" charset="2"/>
+              <a:buChar char="v"/>
+            </a:pPr>
             <a:r>
               <a:rPr lang="en-GB" b="1" dirty="0"/>
               <a:t>Solution: </a:t>
@@ -8586,7 +8610,10 @@
             </a:r>
           </a:p>
           <a:p>
-            <a:pPr lvl="2"/>
+            <a:pPr lvl="2">
+              <a:buFont typeface="Wingdings" panose="05000000000000000000" pitchFamily="2" charset="2"/>
+              <a:buChar char="Ø"/>
+            </a:pPr>
             <a:r>
               <a:rPr lang="en-GB" dirty="0"/>
               <a:t>My 1</a:t>
@@ -8601,7 +8628,10 @@
             </a:r>
           </a:p>
           <a:p>
-            <a:pPr lvl="2"/>
+            <a:pPr lvl="2">
+              <a:buFont typeface="Wingdings" panose="05000000000000000000" pitchFamily="2" charset="2"/>
+              <a:buChar char="Ø"/>
+            </a:pPr>
             <a:r>
               <a:rPr lang="en-GB" dirty="0"/>
               <a:t>2</a:t>
@@ -9681,21 +9711,30 @@
             </a:r>
           </a:p>
           <a:p>
-            <a:pPr lvl="1"/>
+            <a:pPr lvl="1">
+              <a:buFont typeface="Wingdings" panose="05000000000000000000" pitchFamily="2" charset="2"/>
+              <a:buChar char="Ø"/>
+            </a:pPr>
             <a:r>
               <a:rPr lang="en-GB" dirty="0"/>
               <a:t>Minimum number of employee</a:t>
             </a:r>
           </a:p>
           <a:p>
-            <a:pPr lvl="1"/>
+            <a:pPr lvl="1">
+              <a:buFont typeface="Wingdings" panose="05000000000000000000" pitchFamily="2" charset="2"/>
+              <a:buChar char="Ø"/>
+            </a:pPr>
             <a:r>
               <a:rPr lang="en-GB" dirty="0"/>
               <a:t>Maximum number of employee</a:t>
             </a:r>
           </a:p>
           <a:p>
-            <a:pPr lvl="1"/>
+            <a:pPr lvl="1">
+              <a:buFont typeface="Wingdings" panose="05000000000000000000" pitchFamily="2" charset="2"/>
+              <a:buChar char="Ø"/>
+            </a:pPr>
             <a:r>
               <a:rPr lang="en-GB" dirty="0"/>
               <a:t>Region index</a:t>
@@ -9741,14 +9780,20 @@
             </a:r>
           </a:p>
           <a:p>
-            <a:pPr lvl="1"/>
+            <a:pPr lvl="1">
+              <a:buFont typeface="Wingdings" panose="05000000000000000000" pitchFamily="2" charset="2"/>
+              <a:buChar char="Ø"/>
+            </a:pPr>
             <a:r>
               <a:rPr lang="en-GB" dirty="0"/>
               <a:t>To free memory use</a:t>
             </a:r>
           </a:p>
           <a:p>
-            <a:pPr lvl="1"/>
+            <a:pPr lvl="1">
+              <a:buFont typeface="Wingdings" panose="05000000000000000000" pitchFamily="2" charset="2"/>
+              <a:buChar char="Ø"/>
+            </a:pPr>
             <a:r>
               <a:rPr lang="en-GB" dirty="0"/>
               <a:t>To be able to load new filters without crash</a:t>
@@ -10026,7 +10071,10 @@
             </a:r>
           </a:p>
           <a:p>
-            <a:pPr lvl="1"/>
+            <a:pPr lvl="1">
+              <a:buFont typeface="Wingdings" panose="05000000000000000000" pitchFamily="2" charset="2"/>
+              <a:buChar char="Ø"/>
+            </a:pPr>
             <a:r>
               <a:rPr lang="en-GB" b="1" dirty="0"/>
               <a:t>Index of tuple list </a:t>
@@ -10037,7 +10085,10 @@
             </a:r>
           </a:p>
           <a:p>
-            <a:pPr lvl="1"/>
+            <a:pPr lvl="1">
+              <a:buFont typeface="Wingdings" panose="05000000000000000000" pitchFamily="2" charset="2"/>
+              <a:buChar char="Ø"/>
+            </a:pPr>
             <a:r>
               <a:rPr lang="en-GB" b="1" dirty="0"/>
               <a:t>Corporation start date </a:t>
@@ -10048,14 +10099,20 @@
             </a:r>
           </a:p>
           <a:p>
-            <a:pPr lvl="1"/>
+            <a:pPr lvl="1">
+              <a:buFont typeface="Wingdings" panose="05000000000000000000" pitchFamily="2" charset="2"/>
+              <a:buChar char="Ø"/>
+            </a:pPr>
             <a:r>
               <a:rPr lang="en-GB" dirty="0"/>
               <a:t>Specifically calculated corporation date interval, brings data in the amount that you want. I set is to ‘less than 7000’.</a:t>
             </a:r>
           </a:p>
           <a:p>
-            <a:pPr lvl="1"/>
+            <a:pPr lvl="1">
+              <a:buFont typeface="Wingdings" panose="05000000000000000000" pitchFamily="2" charset="2"/>
+              <a:buChar char="Ø"/>
+            </a:pPr>
             <a:r>
               <a:rPr lang="en-GB" dirty="0"/>
               <a:t>And a </a:t>
@@ -10070,7 +10127,10 @@
             </a:r>
           </a:p>
           <a:p>
-            <a:pPr lvl="1"/>
+            <a:pPr lvl="1">
+              <a:buFont typeface="Wingdings" panose="05000000000000000000" pitchFamily="2" charset="2"/>
+              <a:buChar char="Ø"/>
+            </a:pPr>
             <a:r>
               <a:rPr lang="en-GB" dirty="0"/>
               <a:t>Region is not used for filtering anymore because some countries aren’t displayed under any region. </a:t>
@@ -10083,7 +10143,10 @@
             </a:r>
           </a:p>
           <a:p>
-            <a:pPr lvl="1"/>
+            <a:pPr lvl="1">
+              <a:buFont typeface="Wingdings" panose="05000000000000000000" pitchFamily="2" charset="2"/>
+              <a:buChar char="Ø"/>
+            </a:pPr>
             <a:r>
               <a:rPr lang="en-GB" dirty="0"/>
               <a:t>We can change </a:t>
@@ -10098,7 +10161,10 @@
             </a:r>
           </a:p>
           <a:p>
-            <a:pPr lvl="1"/>
+            <a:pPr lvl="1">
+              <a:buFont typeface="Wingdings" panose="05000000000000000000" pitchFamily="2" charset="2"/>
+              <a:buChar char="Ø"/>
+            </a:pPr>
             <a:r>
               <a:rPr lang="en-GB" dirty="0"/>
               <a:t>All data rows belong to some date interval, so all data can be scraped without loss.</a:t>

--- a/data scraping.pptx
+++ b/data scraping.pptx
@@ -8525,7 +8525,7 @@
         </p:spPr>
         <p:txBody>
           <a:bodyPr>
-            <a:normAutofit lnSpcReduction="10000"/>
+            <a:normAutofit fontScale="92500" lnSpcReduction="10000"/>
           </a:bodyPr>
           <a:lstStyle/>
           <a:p>
@@ -8608,6 +8608,21 @@
               <a:rPr lang="en-GB" dirty="0"/>
               <a:t>Effective use of filters.</a:t>
             </a:r>
+          </a:p>
+          <a:p>
+            <a:pPr lvl="2">
+              <a:buFont typeface="Wingdings" panose="05000000000000000000" pitchFamily="2" charset="2"/>
+              <a:buChar char="Ø"/>
+            </a:pPr>
+            <a:r>
+              <a:rPr lang="en-GB" dirty="0"/>
+              <a:t>Employee number of company is a good filter, but </a:t>
+            </a:r>
+            <a:r>
+              <a:rPr lang="en-GB"/>
+              <a:t>no enough.</a:t>
+            </a:r>
+            <a:endParaRPr lang="en-GB" dirty="0"/>
           </a:p>
           <a:p>
             <a:pPr lvl="2">

--- a/data scraping.pptx
+++ b/data scraping.pptx
@@ -8616,13 +8616,16 @@
             </a:pPr>
             <a:r>
               <a:rPr lang="en-GB" dirty="0"/>
-              <a:t>Employee number of company is a good filter, but </a:t>
+              <a:t>Employee number of company is a good filter, </a:t>
             </a:r>
             <a:r>
               <a:rPr lang="en-GB"/>
-              <a:t>no enough.</a:t>
-            </a:r>
-            <a:endParaRPr lang="en-GB" dirty="0"/>
+              <a:t>but not </a:t>
+            </a:r>
+            <a:r>
+              <a:rPr lang="en-GB" dirty="0"/>
+              <a:t>enough.</a:t>
+            </a:r>
           </a:p>
           <a:p>
             <a:pPr lvl="2">
@@ -8675,7 +8678,10 @@
             </a:r>
           </a:p>
           <a:p>
-            <a:pPr lvl="1"/>
+            <a:pPr lvl="1">
+              <a:buFont typeface="Wingdings" panose="05000000000000000000" pitchFamily="2" charset="2"/>
+              <a:buChar char="Ø"/>
+            </a:pPr>
             <a:r>
               <a:rPr lang="en-GB" dirty="0"/>
               <a:t>Particularly clicked via code.</a:t>
@@ -8688,7 +8694,10 @@
             </a:r>
           </a:p>
           <a:p>
-            <a:pPr lvl="1"/>
+            <a:pPr lvl="1">
+              <a:buFont typeface="Wingdings" panose="05000000000000000000" pitchFamily="2" charset="2"/>
+              <a:buChar char="Ø"/>
+            </a:pPr>
             <a:r>
               <a:rPr lang="en-GB" dirty="0"/>
               <a:t>Particularly coded.</a:t>

--- a/data scraping.pptx
+++ b/data scraping.pptx
@@ -8616,15 +8616,7 @@
             </a:pPr>
             <a:r>
               <a:rPr lang="en-GB" dirty="0"/>
-              <a:t>Employee number of company is a good filter, </a:t>
-            </a:r>
-            <a:r>
-              <a:rPr lang="en-GB"/>
-              <a:t>but not </a:t>
-            </a:r>
-            <a:r>
-              <a:rPr lang="en-GB" dirty="0"/>
-              <a:t>enough.</a:t>
+              <a:t>Employee number of company is a good filter, but not enough.</a:t>
             </a:r>
           </a:p>
           <a:p>
@@ -9735,9 +9727,9 @@
             </a:r>
           </a:p>
           <a:p>
-            <a:pPr lvl="1">
-              <a:buFont typeface="Wingdings" panose="05000000000000000000" pitchFamily="2" charset="2"/>
-              <a:buChar char="Ø"/>
+            <a:pPr marL="800100" lvl="1" indent="-342900">
+              <a:buFont typeface="+mj-lt"/>
+              <a:buAutoNum type="arabicPeriod"/>
             </a:pPr>
             <a:r>
               <a:rPr lang="en-GB" dirty="0"/>
@@ -9745,9 +9737,9 @@
             </a:r>
           </a:p>
           <a:p>
-            <a:pPr lvl="1">
-              <a:buFont typeface="Wingdings" panose="05000000000000000000" pitchFamily="2" charset="2"/>
-              <a:buChar char="Ø"/>
+            <a:pPr marL="800100" lvl="1" indent="-342900">
+              <a:buFont typeface="+mj-lt"/>
+              <a:buAutoNum type="arabicPeriod"/>
             </a:pPr>
             <a:r>
               <a:rPr lang="en-GB" dirty="0"/>
@@ -9755,9 +9747,9 @@
             </a:r>
           </a:p>
           <a:p>
-            <a:pPr lvl="1">
-              <a:buFont typeface="Wingdings" panose="05000000000000000000" pitchFamily="2" charset="2"/>
-              <a:buChar char="Ø"/>
+            <a:pPr marL="800100" lvl="1" indent="-342900">
+              <a:buFont typeface="+mj-lt"/>
+              <a:buAutoNum type="arabicPeriod"/>
             </a:pPr>
             <a:r>
               <a:rPr lang="en-GB" dirty="0"/>
@@ -10095,65 +10087,65 @@
             </a:r>
           </a:p>
           <a:p>
+            <a:pPr marL="800100" lvl="1" indent="-342900">
+              <a:buFont typeface="+mj-lt"/>
+              <a:buAutoNum type="arabicParenR"/>
+            </a:pPr>
+            <a:r>
+              <a:rPr lang="en-GB" b="1" dirty="0"/>
+              <a:t>Index of tuple list </a:t>
+            </a:r>
+            <a:r>
+              <a:rPr lang="en-GB" dirty="0"/>
+              <a:t>where minimum and maximum employee numbers are held.</a:t>
+            </a:r>
+          </a:p>
+          <a:p>
+            <a:pPr marL="800100" lvl="1" indent="-342900">
+              <a:buFont typeface="+mj-lt"/>
+              <a:buAutoNum type="arabicParenR"/>
+            </a:pPr>
+            <a:r>
+              <a:rPr lang="en-GB" b="1" dirty="0"/>
+              <a:t>Corporation start date </a:t>
+            </a:r>
+            <a:r>
+              <a:rPr lang="en-GB" dirty="0"/>
+              <a:t>of last iteration, that date will be set as end date of next iteration. And start date of new iteration is calculated particularly.</a:t>
+            </a:r>
+          </a:p>
+          <a:p>
+            <a:pPr lvl="2">
+              <a:buFont typeface="Arial" panose="020B0604020202020204" pitchFamily="34" charset="0"/>
+              <a:buChar char="•"/>
+            </a:pPr>
+            <a:r>
+              <a:rPr lang="en-GB" dirty="0"/>
+              <a:t>Specifically calculated corporation date interval, brings data in the amount that you want. I set is to ‘less than 7000’.</a:t>
+            </a:r>
+          </a:p>
+          <a:p>
+            <a:pPr marL="800100" lvl="1" indent="-342900">
+              <a:buFont typeface="+mj-lt"/>
+              <a:buAutoNum type="arabicParenR"/>
+            </a:pPr>
+            <a:r>
+              <a:rPr lang="en-GB" dirty="0"/>
+              <a:t>And a </a:t>
+            </a:r>
+            <a:r>
+              <a:rPr lang="en-GB" b="1" dirty="0"/>
+              <a:t>Boolean</a:t>
+            </a:r>
+            <a:r>
+              <a:rPr lang="en-GB" dirty="0"/>
+              <a:t> that basically indicates either to change date interval or employee number.</a:t>
+            </a:r>
+          </a:p>
+          <a:p>
             <a:pPr lvl="1">
               <a:buFont typeface="Wingdings" panose="05000000000000000000" pitchFamily="2" charset="2"/>
-              <a:buChar char="Ø"/>
-            </a:pPr>
-            <a:r>
-              <a:rPr lang="en-GB" b="1" dirty="0"/>
-              <a:t>Index of tuple list </a:t>
-            </a:r>
-            <a:r>
-              <a:rPr lang="en-GB" dirty="0"/>
-              <a:t>where minimum and maximum employee numbers are held.</a:t>
-            </a:r>
-          </a:p>
-          <a:p>
-            <a:pPr lvl="1">
-              <a:buFont typeface="Wingdings" panose="05000000000000000000" pitchFamily="2" charset="2"/>
-              <a:buChar char="Ø"/>
-            </a:pPr>
-            <a:r>
-              <a:rPr lang="en-GB" b="1" dirty="0"/>
-              <a:t>Corporation start date </a:t>
-            </a:r>
-            <a:r>
-              <a:rPr lang="en-GB" dirty="0"/>
-              <a:t>of last iteration, that date will be set as end date of next iteration. And start date of new iteration is calculated particularly.</a:t>
-            </a:r>
-          </a:p>
-          <a:p>
-            <a:pPr lvl="1">
-              <a:buFont typeface="Wingdings" panose="05000000000000000000" pitchFamily="2" charset="2"/>
-              <a:buChar char="Ø"/>
-            </a:pPr>
-            <a:r>
-              <a:rPr lang="en-GB" dirty="0"/>
-              <a:t>Specifically calculated corporation date interval, brings data in the amount that you want. I set is to ‘less than 7000’.</a:t>
-            </a:r>
-          </a:p>
-          <a:p>
-            <a:pPr lvl="1">
-              <a:buFont typeface="Wingdings" panose="05000000000000000000" pitchFamily="2" charset="2"/>
-              <a:buChar char="Ø"/>
-            </a:pPr>
-            <a:r>
-              <a:rPr lang="en-GB" dirty="0"/>
-              <a:t>And a </a:t>
-            </a:r>
-            <a:r>
-              <a:rPr lang="en-GB" b="1" dirty="0"/>
-              <a:t>Boolean</a:t>
-            </a:r>
-            <a:r>
-              <a:rPr lang="en-GB" dirty="0"/>
-              <a:t> that basically indicates either to change date interval or employee number.</a:t>
-            </a:r>
-          </a:p>
-          <a:p>
-            <a:pPr lvl="1">
-              <a:buFont typeface="Wingdings" panose="05000000000000000000" pitchFamily="2" charset="2"/>
-              <a:buChar char="Ø"/>
+              <a:buChar char="v"/>
             </a:pPr>
             <a:r>
               <a:rPr lang="en-GB" dirty="0"/>

--- a/data scraping.pptx
+++ b/data scraping.pptx
@@ -9717,7 +9717,7 @@
         </p:spPr>
         <p:txBody>
           <a:bodyPr>
-            <a:normAutofit fontScale="92500" lnSpcReduction="10000"/>
+            <a:normAutofit/>
           </a:bodyPr>
           <a:lstStyle/>
           <a:p>
@@ -9757,15 +9757,13 @@
             </a:r>
           </a:p>
           <a:p>
+            <a:pPr>
+              <a:buFont typeface="Wingdings" panose="05000000000000000000" pitchFamily="2" charset="2"/>
+              <a:buChar char="v"/>
+            </a:pPr>
             <a:r>
               <a:rPr lang="en-GB" dirty="0"/>
-              <a:t>Name of the country could be given as argument as well with very simple change.</a:t>
-            </a:r>
-          </a:p>
-          <a:p>
-            <a:r>
-              <a:rPr lang="en-GB" dirty="0"/>
-              <a:t>Total number of region count is detected by the program.</a:t>
+              <a:t>Total number of region count is detected by the program and region index is handled automatically.</a:t>
             </a:r>
           </a:p>
           <a:p>
@@ -10111,7 +10109,7 @@
             </a:r>
             <a:r>
               <a:rPr lang="en-GB" dirty="0"/>
-              <a:t>of last iteration, that date will be set as end date of next iteration. And start date of new iteration is calculated particularly.</a:t>
+              <a:t>of last iteration, that date will be set as end date of next iteration. And start date of new iteration is calculated automatically.</a:t>
             </a:r>
           </a:p>
           <a:p>
@@ -10121,7 +10119,15 @@
             </a:pPr>
             <a:r>
               <a:rPr lang="en-GB" dirty="0"/>
-              <a:t>Specifically calculated corporation date interval, brings data in the amount that you want. I set is to ‘less than 7000’.</a:t>
+              <a:t>Specifically calculated corporation date interval, brings data in the amount that you want. I </a:t>
+            </a:r>
+            <a:r>
+              <a:rPr lang="en-GB"/>
+              <a:t>set it </a:t>
+            </a:r>
+            <a:r>
+              <a:rPr lang="en-GB" dirty="0"/>
+              <a:t>to ‘less than 7000’.</a:t>
             </a:r>
           </a:p>
           <a:p>

--- a/data scraping.pptx
+++ b/data scraping.pptx
@@ -9778,7 +9778,7 @@
           <a:p>
             <a:r>
               <a:rPr lang="en-GB" dirty="0"/>
-              <a:t>Each region is iterated with same employee number interval.</a:t>
+              <a:t>Each region is iterated with the current employee number interval.</a:t>
             </a:r>
           </a:p>
           <a:p>
@@ -10119,15 +10119,7 @@
             </a:pPr>
             <a:r>
               <a:rPr lang="en-GB" dirty="0"/>
-              <a:t>Specifically calculated corporation date interval, brings data in the amount that you want. I </a:t>
-            </a:r>
-            <a:r>
-              <a:rPr lang="en-GB"/>
-              <a:t>set it </a:t>
-            </a:r>
-            <a:r>
-              <a:rPr lang="en-GB" dirty="0"/>
-              <a:t>to ‘less than 7000’.</a:t>
+              <a:t>Specifically calculated corporation date interval, brings data in the amount that you want. I set it to ‘less than 7000’.</a:t>
             </a:r>
           </a:p>
           <a:p>
@@ -10179,7 +10171,7 @@
             </a:r>
             <a:r>
               <a:rPr lang="en-GB" dirty="0"/>
-              <a:t>as we wish.</a:t>
+              <a:t>as we wish and bring as many as data we want.</a:t>
             </a:r>
           </a:p>
           <a:p>

--- a/data scraping.pptx
+++ b/data scraping.pptx
@@ -9762,8 +9762,12 @@
               <a:buChar char="v"/>
             </a:pPr>
             <a:r>
+              <a:rPr lang="en-GB"/>
+              <a:t>Total region </a:t>
+            </a:r>
+            <a:r>
               <a:rPr lang="en-GB" dirty="0"/>
-              <a:t>Total number of region count is detected by the program and region index is handled automatically.</a:t>
+              <a:t>count is detected by the program and region index is handled automatically.</a:t>
             </a:r>
           </a:p>
           <a:p>

--- a/data scraping.pptx
+++ b/data scraping.pptx
@@ -7933,11 +7933,11 @@
             </a:r>
             <a:r>
               <a:rPr lang="en-GB" i="1" dirty="0"/>
-              <a:t>country name, login credentials </a:t>
+              <a:t>login credentials, filters: country name, minimum-maximum employee numbers list etc. </a:t>
             </a:r>
             <a:r>
               <a:rPr lang="en-GB" dirty="0"/>
-              <a:t>to outside of program. So program would become more generic.</a:t>
+              <a:t>to outside of the program. So program would become more generic.</a:t>
             </a:r>
             <a:endParaRPr lang="en-GB" i="1" dirty="0"/>
           </a:p>

--- a/data scraping.pptx
+++ b/data scraping.pptx
@@ -7907,7 +7907,7 @@
           <a:p>
             <a:r>
               <a:rPr lang="en-GB" dirty="0"/>
-              <a:t>Optimize the scraping speed.</a:t>
+              <a:t>Optimizing the scraping speed.</a:t>
             </a:r>
           </a:p>
           <a:p>
@@ -7923,13 +7923,17 @@
           <a:p>
             <a:r>
               <a:rPr lang="en-GB" dirty="0"/>
-              <a:t>Re-factor the code to make it easier to read.</a:t>
-            </a:r>
-          </a:p>
-          <a:p>
+              <a:t>Re-factoring the code to make it easier to read.</a:t>
+            </a:r>
+          </a:p>
+          <a:p>
+            <a:r>
+              <a:rPr lang="en-GB"/>
+              <a:t>Moving hard-coded </a:t>
+            </a:r>
             <a:r>
               <a:rPr lang="en-GB" dirty="0"/>
-              <a:t>Move hard-coded values such as </a:t>
+              <a:t>values such as </a:t>
             </a:r>
             <a:r>
               <a:rPr lang="en-GB" i="1" dirty="0"/>

--- a/data scraping.pptx
+++ b/data scraping.pptx
@@ -12,9 +12,8 @@
     <p:sldId id="258" r:id="rId6"/>
     <p:sldId id="259" r:id="rId7"/>
     <p:sldId id="260" r:id="rId8"/>
-    <p:sldId id="266" r:id="rId9"/>
-    <p:sldId id="264" r:id="rId10"/>
-    <p:sldId id="267" r:id="rId11"/>
+    <p:sldId id="264" r:id="rId9"/>
+    <p:sldId id="267" r:id="rId10"/>
   </p:sldIdLst>
   <p:sldSz cx="12192000" cy="6858000"/>
   <p:notesSz cx="6858000" cy="9144000"/>
@@ -7813,7 +7812,7 @@
 </p:sld>
 </file>
 
-<file path=ppt/slides/slide10.xml><?xml version="1.0" encoding="utf-8"?>
+<file path=ppt/slides/slide2.xml><?xml version="1.0" encoding="utf-8"?>
 <p:sld xmlns:a="http://schemas.openxmlformats.org/drawingml/2006/main" xmlns:r="http://schemas.openxmlformats.org/officeDocument/2006/relationships" xmlns:p="http://schemas.openxmlformats.org/presentationml/2006/main">
   <p:cSld>
     <p:spTree>
@@ -7846,6 +7845,1928 @@
             <p:ph type="title"/>
           </p:nvPr>
         </p:nvSpPr>
+        <p:spPr/>
+        <p:txBody>
+          <a:bodyPr>
+            <a:scene3d>
+              <a:camera prst="orthographicFront"/>
+              <a:lightRig rig="soft" dir="t">
+                <a:rot lat="0" lon="0" rev="15600000"/>
+              </a:lightRig>
+            </a:scene3d>
+            <a:sp3d extrusionH="57150" prstMaterial="softEdge">
+              <a:bevelT w="25400" h="38100"/>
+            </a:sp3d>
+          </a:bodyPr>
+          <a:lstStyle/>
+          <a:p>
+            <a:r>
+              <a:rPr lang="en-GB" b="1" dirty="0">
+                <a:ln/>
+                <a:solidFill>
+                  <a:schemeClr val="accent4"/>
+                </a:solidFill>
+              </a:rPr>
+              <a:t>General Challenges</a:t>
+            </a:r>
+          </a:p>
+        </p:txBody>
+      </p:sp>
+      <p:sp>
+        <p:nvSpPr>
+          <p:cNvPr id="3" name="İçerik Yer Tutucusu 2">
+            <a:extLst>
+              <a:ext uri="{FF2B5EF4-FFF2-40B4-BE49-F238E27FC236}">
+                <a16:creationId xmlns:a16="http://schemas.microsoft.com/office/drawing/2014/main" id="{9879EC07-5C3F-4E79-B4D9-9D81703D3C60}"/>
+              </a:ext>
+            </a:extLst>
+          </p:cNvPr>
+          <p:cNvSpPr>
+            <a:spLocks noGrp="1"/>
+          </p:cNvSpPr>
+          <p:nvPr>
+            <p:ph idx="1"/>
+          </p:nvPr>
+        </p:nvSpPr>
+        <p:spPr>
+          <a:xfrm>
+            <a:off x="2589212" y="1905000"/>
+            <a:ext cx="9348788" cy="4328890"/>
+          </a:xfrm>
+        </p:spPr>
+        <p:txBody>
+          <a:bodyPr>
+            <a:normAutofit/>
+          </a:bodyPr>
+          <a:lstStyle/>
+          <a:p>
+            <a:r>
+              <a:rPr lang="en-GB" dirty="0"/>
+              <a:t>Biggest challenge was to find a data source </a:t>
+            </a:r>
+            <a:r>
+              <a:rPr lang="en-GB" dirty="0">
+                <a:sym typeface="Wingdings" panose="05000000000000000000" pitchFamily="2" charset="2"/>
+              </a:rPr>
+              <a:t></a:t>
+            </a:r>
+          </a:p>
+          <a:p>
+            <a:r>
+              <a:rPr lang="en-GB" dirty="0">
+                <a:sym typeface="Wingdings" panose="05000000000000000000" pitchFamily="2" charset="2"/>
+              </a:rPr>
+              <a:t>Our country was changed from Brazil to Sweden on 1</a:t>
+            </a:r>
+            <a:r>
+              <a:rPr lang="en-GB" baseline="30000" dirty="0">
+                <a:sym typeface="Wingdings" panose="05000000000000000000" pitchFamily="2" charset="2"/>
+              </a:rPr>
+              <a:t>st</a:t>
+            </a:r>
+            <a:r>
+              <a:rPr lang="en-GB" dirty="0">
+                <a:sym typeface="Wingdings" panose="05000000000000000000" pitchFamily="2" charset="2"/>
+              </a:rPr>
+              <a:t> of March.</a:t>
+            </a:r>
+          </a:p>
+          <a:p>
+            <a:r>
+              <a:rPr lang="en-GB" dirty="0">
+                <a:sym typeface="Wingdings" panose="05000000000000000000" pitchFamily="2" charset="2"/>
+              </a:rPr>
+              <a:t>I found data source on the same day.</a:t>
+            </a:r>
+          </a:p>
+          <a:p>
+            <a:r>
+              <a:rPr lang="en-GB" dirty="0">
+                <a:sym typeface="Wingdings" panose="05000000000000000000" pitchFamily="2" charset="2"/>
+              </a:rPr>
+              <a:t>Team</a:t>
+            </a:r>
+          </a:p>
+          <a:p>
+            <a:r>
+              <a:rPr lang="en-GB" dirty="0">
+                <a:sym typeface="Wingdings" panose="05000000000000000000" pitchFamily="2" charset="2"/>
+              </a:rPr>
+              <a:t>I had access to my data source </a:t>
+            </a:r>
+            <a:r>
+              <a:rPr lang="en-GB" sz="2000" dirty="0">
+                <a:sym typeface="Wingdings" panose="05000000000000000000" pitchFamily="2" charset="2"/>
+              </a:rPr>
+              <a:t>(globaldatabase.com)</a:t>
+            </a:r>
+            <a:r>
+              <a:rPr lang="en-GB" dirty="0">
+                <a:sym typeface="Wingdings" panose="05000000000000000000" pitchFamily="2" charset="2"/>
+              </a:rPr>
+              <a:t> on 2023-03-01_20:58.</a:t>
+            </a:r>
+          </a:p>
+          <a:p>
+            <a:r>
+              <a:rPr lang="en-GB" dirty="0">
+                <a:sym typeface="Wingdings" panose="05000000000000000000" pitchFamily="2" charset="2"/>
+              </a:rPr>
+              <a:t>I lost access to my data source on 2023-13-01.</a:t>
+            </a:r>
+          </a:p>
+          <a:p>
+            <a:r>
+              <a:rPr lang="en-GB" dirty="0">
+                <a:sym typeface="Wingdings" panose="05000000000000000000" pitchFamily="2" charset="2"/>
+              </a:rPr>
+              <a:t>Account was probably locked or banned due to over use.</a:t>
+            </a:r>
+          </a:p>
+          <a:p>
+            <a:r>
+              <a:rPr lang="en-GB" dirty="0">
+                <a:sym typeface="Wingdings" panose="05000000000000000000" pitchFamily="2" charset="2"/>
+              </a:rPr>
+              <a:t>So, I had </a:t>
+            </a:r>
+            <a:r>
+              <a:rPr lang="en-GB" b="1" u="sng" dirty="0">
+                <a:sym typeface="Wingdings" panose="05000000000000000000" pitchFamily="2" charset="2"/>
+              </a:rPr>
+              <a:t>only </a:t>
+            </a:r>
+            <a:r>
+              <a:rPr lang="en-GB" sz="2000" b="1" u="sng" dirty="0">
+                <a:sym typeface="Wingdings" panose="05000000000000000000" pitchFamily="2" charset="2"/>
+              </a:rPr>
+              <a:t>10 days</a:t>
+            </a:r>
+            <a:r>
+              <a:rPr lang="en-GB" sz="2000" b="1" dirty="0">
+                <a:sym typeface="Wingdings" panose="05000000000000000000" pitchFamily="2" charset="2"/>
+              </a:rPr>
+              <a:t> for both developing</a:t>
+            </a:r>
+            <a:r>
+              <a:rPr lang="en-GB" sz="2000" dirty="0">
+                <a:sym typeface="Wingdings" panose="05000000000000000000" pitchFamily="2" charset="2"/>
+              </a:rPr>
+              <a:t> the program and </a:t>
+            </a:r>
+            <a:r>
+              <a:rPr lang="en-GB" sz="2000" b="1" dirty="0">
+                <a:sym typeface="Wingdings" panose="05000000000000000000" pitchFamily="2" charset="2"/>
+              </a:rPr>
+              <a:t>scraping</a:t>
+            </a:r>
+            <a:r>
+              <a:rPr lang="en-GB" sz="2000" dirty="0">
+                <a:sym typeface="Wingdings" panose="05000000000000000000" pitchFamily="2" charset="2"/>
+              </a:rPr>
+              <a:t> the data.</a:t>
+            </a:r>
+            <a:endParaRPr lang="en-GB" dirty="0"/>
+          </a:p>
+        </p:txBody>
+      </p:sp>
+    </p:spTree>
+    <p:extLst>
+      <p:ext uri="{BB962C8B-B14F-4D97-AF65-F5344CB8AC3E}">
+        <p14:creationId xmlns:p14="http://schemas.microsoft.com/office/powerpoint/2010/main" val="1987459264"/>
+      </p:ext>
+    </p:extLst>
+  </p:cSld>
+  <p:clrMapOvr>
+    <a:masterClrMapping/>
+  </p:clrMapOvr>
+  <p:transition spd="slow">
+    <p:push dir="u"/>
+  </p:transition>
+</p:sld>
+</file>
+
+<file path=ppt/slides/slide3.xml><?xml version="1.0" encoding="utf-8"?>
+<p:sld xmlns:a="http://schemas.openxmlformats.org/drawingml/2006/main" xmlns:r="http://schemas.openxmlformats.org/officeDocument/2006/relationships" xmlns:p="http://schemas.openxmlformats.org/presentationml/2006/main">
+  <p:cSld>
+    <p:spTree>
+      <p:nvGrpSpPr>
+        <p:cNvPr id="1" name=""/>
+        <p:cNvGrpSpPr/>
+        <p:nvPr/>
+      </p:nvGrpSpPr>
+      <p:grpSpPr>
+        <a:xfrm>
+          <a:off x="0" y="0"/>
+          <a:ext cx="0" cy="0"/>
+          <a:chOff x="0" y="0"/>
+          <a:chExt cx="0" cy="0"/>
+        </a:xfrm>
+      </p:grpSpPr>
+      <p:sp>
+        <p:nvSpPr>
+          <p:cNvPr id="2" name="Başlık 1">
+            <a:extLst>
+              <a:ext uri="{FF2B5EF4-FFF2-40B4-BE49-F238E27FC236}">
+                <a16:creationId xmlns:a16="http://schemas.microsoft.com/office/drawing/2014/main" id="{DC96747D-56C9-4BE7-B16E-D80436179804}"/>
+              </a:ext>
+            </a:extLst>
+          </p:cNvPr>
+          <p:cNvSpPr>
+            <a:spLocks noGrp="1"/>
+          </p:cNvSpPr>
+          <p:nvPr>
+            <p:ph type="title"/>
+          </p:nvPr>
+        </p:nvSpPr>
+        <p:spPr/>
+        <p:txBody>
+          <a:bodyPr>
+            <a:scene3d>
+              <a:camera prst="orthographicFront"/>
+              <a:lightRig rig="soft" dir="t">
+                <a:rot lat="0" lon="0" rev="15600000"/>
+              </a:lightRig>
+            </a:scene3d>
+            <a:sp3d extrusionH="57150" prstMaterial="softEdge">
+              <a:bevelT w="25400" h="38100"/>
+            </a:sp3d>
+          </a:bodyPr>
+          <a:lstStyle/>
+          <a:p>
+            <a:r>
+              <a:rPr lang="en-GB" b="1" dirty="0">
+                <a:ln/>
+                <a:solidFill>
+                  <a:schemeClr val="accent4"/>
+                </a:solidFill>
+              </a:rPr>
+              <a:t>Coding Challenges</a:t>
+            </a:r>
+          </a:p>
+        </p:txBody>
+      </p:sp>
+      <p:sp>
+        <p:nvSpPr>
+          <p:cNvPr id="3" name="İçerik Yer Tutucusu 2">
+            <a:extLst>
+              <a:ext uri="{FF2B5EF4-FFF2-40B4-BE49-F238E27FC236}">
+                <a16:creationId xmlns:a16="http://schemas.microsoft.com/office/drawing/2014/main" id="{9879EC07-5C3F-4E79-B4D9-9D81703D3C60}"/>
+              </a:ext>
+            </a:extLst>
+          </p:cNvPr>
+          <p:cNvSpPr>
+            <a:spLocks noGrp="1"/>
+          </p:cNvSpPr>
+          <p:nvPr>
+            <p:ph idx="1"/>
+          </p:nvPr>
+        </p:nvSpPr>
+        <p:spPr>
+          <a:xfrm>
+            <a:off x="2589212" y="1905000"/>
+            <a:ext cx="8915400" cy="4953000"/>
+          </a:xfrm>
+        </p:spPr>
+        <p:txBody>
+          <a:bodyPr>
+            <a:normAutofit fontScale="92500" lnSpcReduction="10000"/>
+          </a:bodyPr>
+          <a:lstStyle/>
+          <a:p>
+            <a:r>
+              <a:rPr lang="en-GB" sz="1800" b="1" dirty="0"/>
+              <a:t>All data is displayed in one page:</a:t>
+            </a:r>
+            <a:endParaRPr lang="en-GB" dirty="0"/>
+          </a:p>
+          <a:p>
+            <a:pPr marL="800100" lvl="1" indent="-342900">
+              <a:buFont typeface="+mj-lt"/>
+              <a:buAutoNum type="arabicPeriod"/>
+            </a:pPr>
+            <a:r>
+              <a:rPr lang="en-GB" dirty="0"/>
+              <a:t>You need to scroll down to load new data rows.</a:t>
+            </a:r>
+          </a:p>
+          <a:p>
+            <a:pPr lvl="2">
+              <a:buFont typeface="Wingdings" panose="05000000000000000000" pitchFamily="2" charset="2"/>
+              <a:buChar char="Ø"/>
+            </a:pPr>
+            <a:r>
+              <a:rPr lang="en-GB" dirty="0"/>
+              <a:t>Particularly coded.</a:t>
+            </a:r>
+          </a:p>
+          <a:p>
+            <a:pPr marL="800100" lvl="1" indent="-342900">
+              <a:buFont typeface="+mj-lt"/>
+              <a:buAutoNum type="arabicPeriod"/>
+            </a:pPr>
+            <a:r>
+              <a:rPr lang="en-GB" dirty="0"/>
+              <a:t>Memory overload</a:t>
+            </a:r>
+          </a:p>
+          <a:p>
+            <a:pPr lvl="2">
+              <a:buFont typeface="Wingdings" panose="05000000000000000000" pitchFamily="2" charset="2"/>
+              <a:buChar char="Ø"/>
+            </a:pPr>
+            <a:r>
+              <a:rPr lang="en-GB" dirty="0"/>
+              <a:t>Scraped data rows are particularly deleted from html via code.</a:t>
+            </a:r>
+          </a:p>
+          <a:p>
+            <a:pPr lvl="2">
+              <a:buFont typeface="Wingdings" panose="05000000000000000000" pitchFamily="2" charset="2"/>
+              <a:buChar char="Ø"/>
+            </a:pPr>
+            <a:r>
+              <a:rPr lang="en-GB" dirty="0"/>
+              <a:t>Program restarts itself when filter is needed to be changed.</a:t>
+            </a:r>
+          </a:p>
+          <a:p>
+            <a:pPr marL="800100" lvl="1" indent="-342900">
+              <a:buFont typeface="+mj-lt"/>
+              <a:buAutoNum type="arabicPeriod"/>
+            </a:pPr>
+            <a:r>
+              <a:rPr lang="en-GB" dirty="0"/>
+              <a:t>Even if you keep scrolling down, more than about 10k rows are not loaded.</a:t>
+            </a:r>
+          </a:p>
+          <a:p>
+            <a:pPr lvl="1">
+              <a:buFont typeface="Wingdings" panose="05000000000000000000" pitchFamily="2" charset="2"/>
+              <a:buChar char="v"/>
+            </a:pPr>
+            <a:r>
+              <a:rPr lang="en-GB" b="1" dirty="0"/>
+              <a:t>Solution: </a:t>
+            </a:r>
+            <a:r>
+              <a:rPr lang="en-GB" dirty="0"/>
+              <a:t>Effective use of filters.</a:t>
+            </a:r>
+          </a:p>
+          <a:p>
+            <a:pPr lvl="2">
+              <a:buFont typeface="Wingdings" panose="05000000000000000000" pitchFamily="2" charset="2"/>
+              <a:buChar char="Ø"/>
+            </a:pPr>
+            <a:r>
+              <a:rPr lang="en-GB" dirty="0"/>
+              <a:t>Employee number of company is a good filter, but not enough.</a:t>
+            </a:r>
+          </a:p>
+          <a:p>
+            <a:pPr lvl="2">
+              <a:buFont typeface="Wingdings" panose="05000000000000000000" pitchFamily="2" charset="2"/>
+              <a:buChar char="Ø"/>
+            </a:pPr>
+            <a:r>
+              <a:rPr lang="en-GB" dirty="0"/>
+              <a:t>My 1</a:t>
+            </a:r>
+            <a:r>
+              <a:rPr lang="en-GB" baseline="30000" dirty="0"/>
+              <a:t>st</a:t>
+            </a:r>
+            <a:r>
+              <a:rPr lang="en-GB" dirty="0"/>
+              <a:t> approach was to go region by region.</a:t>
+            </a:r>
+          </a:p>
+          <a:p>
+            <a:pPr lvl="2">
+              <a:buFont typeface="Wingdings" panose="05000000000000000000" pitchFamily="2" charset="2"/>
+              <a:buChar char="Ø"/>
+            </a:pPr>
+            <a:r>
+              <a:rPr lang="en-GB" dirty="0"/>
+              <a:t>2</a:t>
+            </a:r>
+            <a:r>
+              <a:rPr lang="en-GB" baseline="30000" dirty="0"/>
+              <a:t>nd</a:t>
+            </a:r>
+            <a:r>
+              <a:rPr lang="en-GB" dirty="0"/>
+              <a:t> one was to use ‘</a:t>
+            </a:r>
+            <a:r>
+              <a:rPr lang="en-GB" b="1" dirty="0"/>
+              <a:t>corporation date start and end</a:t>
+            </a:r>
+            <a:r>
+              <a:rPr lang="en-GB" dirty="0"/>
+              <a:t>’ filters.</a:t>
+            </a:r>
+          </a:p>
+          <a:p>
+            <a:r>
+              <a:rPr lang="en-GB" dirty="0"/>
+              <a:t>You need to click to see phone number and email address.</a:t>
+            </a:r>
+          </a:p>
+          <a:p>
+            <a:pPr lvl="1">
+              <a:buFont typeface="Wingdings" panose="05000000000000000000" pitchFamily="2" charset="2"/>
+              <a:buChar char="Ø"/>
+            </a:pPr>
+            <a:r>
+              <a:rPr lang="en-GB" dirty="0"/>
+              <a:t>Particularly clicked via code.</a:t>
+            </a:r>
+          </a:p>
+          <a:p>
+            <a:r>
+              <a:rPr lang="en-GB" dirty="0"/>
+              <a:t>Resizing browser windows was needed and done via code.</a:t>
+            </a:r>
+          </a:p>
+          <a:p>
+            <a:pPr lvl="1">
+              <a:buFont typeface="Wingdings" panose="05000000000000000000" pitchFamily="2" charset="2"/>
+              <a:buChar char="Ø"/>
+            </a:pPr>
+            <a:r>
+              <a:rPr lang="en-GB" dirty="0"/>
+              <a:t>Particularly coded.</a:t>
+            </a:r>
+          </a:p>
+        </p:txBody>
+      </p:sp>
+    </p:spTree>
+    <p:extLst>
+      <p:ext uri="{BB962C8B-B14F-4D97-AF65-F5344CB8AC3E}">
+        <p14:creationId xmlns:p14="http://schemas.microsoft.com/office/powerpoint/2010/main" val="3072210009"/>
+      </p:ext>
+    </p:extLst>
+  </p:cSld>
+  <p:clrMapOvr>
+    <a:masterClrMapping/>
+  </p:clrMapOvr>
+  <p:transition spd="slow">
+    <p:push dir="u"/>
+  </p:transition>
+</p:sld>
+</file>
+
+<file path=ppt/slides/slide4.xml><?xml version="1.0" encoding="utf-8"?>
+<p:sld xmlns:a="http://schemas.openxmlformats.org/drawingml/2006/main" xmlns:r="http://schemas.openxmlformats.org/officeDocument/2006/relationships" xmlns:p="http://schemas.openxmlformats.org/presentationml/2006/main">
+  <p:cSld>
+    <p:spTree>
+      <p:nvGrpSpPr>
+        <p:cNvPr id="1" name=""/>
+        <p:cNvGrpSpPr/>
+        <p:nvPr/>
+      </p:nvGrpSpPr>
+      <p:grpSpPr>
+        <a:xfrm>
+          <a:off x="0" y="0"/>
+          <a:ext cx="0" cy="0"/>
+          <a:chOff x="0" y="0"/>
+          <a:chExt cx="0" cy="0"/>
+        </a:xfrm>
+      </p:grpSpPr>
+      <p:sp>
+        <p:nvSpPr>
+          <p:cNvPr id="2" name="Başlık 1">
+            <a:extLst>
+              <a:ext uri="{FF2B5EF4-FFF2-40B4-BE49-F238E27FC236}">
+                <a16:creationId xmlns:a16="http://schemas.microsoft.com/office/drawing/2014/main" id="{8197EEA6-77CE-4B79-89EE-701F0DA369F8}"/>
+              </a:ext>
+            </a:extLst>
+          </p:cNvPr>
+          <p:cNvSpPr>
+            <a:spLocks noGrp="1"/>
+          </p:cNvSpPr>
+          <p:nvPr>
+            <p:ph type="title"/>
+          </p:nvPr>
+        </p:nvSpPr>
+        <p:spPr/>
+        <p:txBody>
+          <a:bodyPr/>
+          <a:lstStyle/>
+          <a:p>
+            <a:endParaRPr lang="en-GB"/>
+          </a:p>
+        </p:txBody>
+      </p:sp>
+      <p:sp>
+        <p:nvSpPr>
+          <p:cNvPr id="3" name="İçerik Yer Tutucusu 2">
+            <a:extLst>
+              <a:ext uri="{FF2B5EF4-FFF2-40B4-BE49-F238E27FC236}">
+                <a16:creationId xmlns:a16="http://schemas.microsoft.com/office/drawing/2014/main" id="{A814BC89-7A36-4DFB-A511-0ACFBD3B8605}"/>
+              </a:ext>
+            </a:extLst>
+          </p:cNvPr>
+          <p:cNvSpPr>
+            <a:spLocks noGrp="1"/>
+          </p:cNvSpPr>
+          <p:nvPr>
+            <p:ph idx="1"/>
+          </p:nvPr>
+        </p:nvSpPr>
+        <p:spPr/>
+        <p:txBody>
+          <a:bodyPr/>
+          <a:lstStyle/>
+          <a:p>
+            <a:endParaRPr lang="en-GB"/>
+          </a:p>
+        </p:txBody>
+      </p:sp>
+      <p:pic>
+        <p:nvPicPr>
+          <p:cNvPr id="4" name="Resim 3">
+            <a:extLst>
+              <a:ext uri="{FF2B5EF4-FFF2-40B4-BE49-F238E27FC236}">
+                <a16:creationId xmlns:a16="http://schemas.microsoft.com/office/drawing/2014/main" id="{5B41634F-4E6B-4E6E-9968-F34A41F5B146}"/>
+              </a:ext>
+            </a:extLst>
+          </p:cNvPr>
+          <p:cNvPicPr>
+            <a:picLocks noChangeAspect="1"/>
+          </p:cNvPicPr>
+          <p:nvPr/>
+        </p:nvPicPr>
+        <p:blipFill>
+          <a:blip r:embed="rId2">
+            <a:extLst>
+              <a:ext uri="{28A0092B-C50C-407E-A947-70E740481C1C}">
+                <a14:useLocalDpi xmlns:a14="http://schemas.microsoft.com/office/drawing/2010/main" val="0"/>
+              </a:ext>
+            </a:extLst>
+          </a:blip>
+          <a:stretch>
+            <a:fillRect/>
+          </a:stretch>
+        </p:blipFill>
+        <p:spPr>
+          <a:xfrm>
+            <a:off x="3056543" y="0"/>
+            <a:ext cx="8452682" cy="6858000"/>
+          </a:xfrm>
+          <a:prstGeom prst="rect">
+            <a:avLst/>
+          </a:prstGeom>
+        </p:spPr>
+      </p:pic>
+      <p:pic>
+        <p:nvPicPr>
+          <p:cNvPr id="5" name="Resim 4" descr="metin, bilgisayar, ekran görüntüsü içeren bir resim&#10;&#10;Açıklama otomatik olarak oluşturuldu">
+            <a:extLst>
+              <a:ext uri="{FF2B5EF4-FFF2-40B4-BE49-F238E27FC236}">
+                <a16:creationId xmlns:a16="http://schemas.microsoft.com/office/drawing/2014/main" id="{81A036C5-3C99-B66C-528A-8524E810B9C8}"/>
+              </a:ext>
+            </a:extLst>
+          </p:cNvPr>
+          <p:cNvPicPr>
+            <a:picLocks noChangeAspect="1"/>
+          </p:cNvPicPr>
+          <p:nvPr/>
+        </p:nvPicPr>
+        <p:blipFill rotWithShape="1">
+          <a:blip r:embed="rId3">
+            <a:extLst>
+              <a:ext uri="{28A0092B-C50C-407E-A947-70E740481C1C}">
+                <a14:useLocalDpi xmlns:a14="http://schemas.microsoft.com/office/drawing/2010/main" val="0"/>
+              </a:ext>
+            </a:extLst>
+          </a:blip>
+          <a:srcRect r="86900"/>
+          <a:stretch/>
+        </p:blipFill>
+        <p:spPr>
+          <a:xfrm>
+            <a:off x="361775" y="1243761"/>
+            <a:ext cx="2699380" cy="4667461"/>
+          </a:xfrm>
+          <a:prstGeom prst="rect">
+            <a:avLst/>
+          </a:prstGeom>
+        </p:spPr>
+      </p:pic>
+    </p:spTree>
+    <p:extLst>
+      <p:ext uri="{BB962C8B-B14F-4D97-AF65-F5344CB8AC3E}">
+        <p14:creationId xmlns:p14="http://schemas.microsoft.com/office/powerpoint/2010/main" val="408996819"/>
+      </p:ext>
+    </p:extLst>
+  </p:cSld>
+  <p:clrMapOvr>
+    <a:masterClrMapping/>
+  </p:clrMapOvr>
+  <p:transition spd="med">
+    <p:pull/>
+  </p:transition>
+</p:sld>
+</file>
+
+<file path=ppt/slides/slide5.xml><?xml version="1.0" encoding="utf-8"?>
+<p:sld xmlns:a="http://schemas.openxmlformats.org/drawingml/2006/main" xmlns:r="http://schemas.openxmlformats.org/officeDocument/2006/relationships" xmlns:p="http://schemas.openxmlformats.org/presentationml/2006/main">
+  <p:cSld>
+    <p:spTree>
+      <p:nvGrpSpPr>
+        <p:cNvPr id="1" name=""/>
+        <p:cNvGrpSpPr/>
+        <p:nvPr/>
+      </p:nvGrpSpPr>
+      <p:grpSpPr>
+        <a:xfrm>
+          <a:off x="0" y="0"/>
+          <a:ext cx="0" cy="0"/>
+          <a:chOff x="0" y="0"/>
+          <a:chExt cx="0" cy="0"/>
+        </a:xfrm>
+      </p:grpSpPr>
+      <p:sp>
+        <p:nvSpPr>
+          <p:cNvPr id="2" name="Başlık 1">
+            <a:extLst>
+              <a:ext uri="{FF2B5EF4-FFF2-40B4-BE49-F238E27FC236}">
+                <a16:creationId xmlns:a16="http://schemas.microsoft.com/office/drawing/2014/main" id="{DC96747D-56C9-4BE7-B16E-D80436179804}"/>
+              </a:ext>
+            </a:extLst>
+          </p:cNvPr>
+          <p:cNvSpPr>
+            <a:spLocks noGrp="1"/>
+          </p:cNvSpPr>
+          <p:nvPr>
+            <p:ph type="title"/>
+          </p:nvPr>
+        </p:nvSpPr>
+        <p:spPr/>
+        <p:txBody>
+          <a:bodyPr>
+            <a:scene3d>
+              <a:camera prst="orthographicFront"/>
+              <a:lightRig rig="soft" dir="t">
+                <a:rot lat="0" lon="0" rev="15600000"/>
+              </a:lightRig>
+            </a:scene3d>
+            <a:sp3d extrusionH="57150" prstMaterial="softEdge">
+              <a:bevelT w="25400" h="38100"/>
+            </a:sp3d>
+          </a:bodyPr>
+          <a:lstStyle/>
+          <a:p>
+            <a:r>
+              <a:rPr lang="en-GB" b="1" dirty="0">
+                <a:ln/>
+                <a:solidFill>
+                  <a:schemeClr val="accent4"/>
+                </a:solidFill>
+              </a:rPr>
+              <a:t>Achievements</a:t>
+            </a:r>
+          </a:p>
+        </p:txBody>
+      </p:sp>
+      <p:sp>
+        <p:nvSpPr>
+          <p:cNvPr id="3" name="İçerik Yer Tutucusu 2">
+            <a:extLst>
+              <a:ext uri="{FF2B5EF4-FFF2-40B4-BE49-F238E27FC236}">
+                <a16:creationId xmlns:a16="http://schemas.microsoft.com/office/drawing/2014/main" id="{9879EC07-5C3F-4E79-B4D9-9D81703D3C60}"/>
+              </a:ext>
+            </a:extLst>
+          </p:cNvPr>
+          <p:cNvSpPr>
+            <a:spLocks noGrp="1"/>
+          </p:cNvSpPr>
+          <p:nvPr>
+            <p:ph idx="1"/>
+          </p:nvPr>
+        </p:nvSpPr>
+        <p:spPr>
+          <a:xfrm>
+            <a:off x="2589212" y="1905000"/>
+            <a:ext cx="8915400" cy="4006222"/>
+          </a:xfrm>
+        </p:spPr>
+        <p:txBody>
+          <a:bodyPr/>
+          <a:lstStyle/>
+          <a:p>
+            <a:r>
+              <a:rPr lang="en-GB" dirty="0"/>
+              <a:t>I managed to scrape 170 663 data rows accurately.</a:t>
+            </a:r>
+          </a:p>
+          <a:p>
+            <a:r>
+              <a:rPr lang="en-GB" dirty="0"/>
+              <a:t>And 1290 rows with missing phone number or/and email address.</a:t>
+            </a:r>
+          </a:p>
+          <a:p>
+            <a:r>
+              <a:rPr lang="en-GB" dirty="0"/>
+              <a:t>So, overall data accuracy in scraping is around %99.</a:t>
+            </a:r>
+          </a:p>
+          <a:p>
+            <a:r>
+              <a:rPr lang="en-GB" dirty="0"/>
+              <a:t>However, I increased accuracy up to %99.9 after I updated my code.</a:t>
+            </a:r>
+          </a:p>
+        </p:txBody>
+      </p:sp>
+      <p:sp>
+        <p:nvSpPr>
+          <p:cNvPr id="5" name="Metin kutusu 4">
+            <a:extLst>
+              <a:ext uri="{FF2B5EF4-FFF2-40B4-BE49-F238E27FC236}">
+                <a16:creationId xmlns:a16="http://schemas.microsoft.com/office/drawing/2014/main" id="{2B855A99-0FA6-4EA9-ABF1-70B1D9EED376}"/>
+              </a:ext>
+            </a:extLst>
+          </p:cNvPr>
+          <p:cNvSpPr txBox="1"/>
+          <p:nvPr/>
+        </p:nvSpPr>
+        <p:spPr>
+          <a:xfrm>
+            <a:off x="2178049" y="4349651"/>
+            <a:ext cx="9764383" cy="2308324"/>
+          </a:xfrm>
+          <a:prstGeom prst="rect">
+            <a:avLst/>
+          </a:prstGeom>
+          <a:noFill/>
+        </p:spPr>
+        <p:txBody>
+          <a:bodyPr wrap="square" numCol="3">
+            <a:spAutoFit/>
+          </a:bodyPr>
+          <a:lstStyle/>
+          <a:p>
+            <a:pPr marL="342900" indent="-342900" algn="just">
+              <a:buFont typeface="+mj-lt"/>
+              <a:buAutoNum type="arabicPeriod"/>
+            </a:pPr>
+            <a:r>
+              <a:rPr lang="en-GB" sz="2400" dirty="0"/>
+              <a:t>CompanyName</a:t>
+            </a:r>
+          </a:p>
+          <a:p>
+            <a:pPr marL="342900" indent="-342900" algn="just">
+              <a:buFont typeface="+mj-lt"/>
+              <a:buAutoNum type="arabicPeriod"/>
+            </a:pPr>
+            <a:r>
+              <a:rPr lang="en-GB" sz="2400" dirty="0" err="1"/>
+              <a:t>CompanyEmail</a:t>
+            </a:r>
+            <a:endParaRPr lang="en-GB" sz="2400" dirty="0"/>
+          </a:p>
+          <a:p>
+            <a:pPr marL="342900" indent="-342900" algn="just">
+              <a:buFont typeface="+mj-lt"/>
+              <a:buAutoNum type="arabicPeriod"/>
+            </a:pPr>
+            <a:r>
+              <a:rPr lang="en-GB" sz="2400" dirty="0"/>
+              <a:t>Phone</a:t>
+            </a:r>
+          </a:p>
+          <a:p>
+            <a:pPr marL="342900" indent="-342900" algn="just">
+              <a:buFont typeface="+mj-lt"/>
+              <a:buAutoNum type="arabicPeriod"/>
+            </a:pPr>
+            <a:r>
+              <a:rPr lang="en-GB" sz="2400" dirty="0"/>
+              <a:t>Website</a:t>
+            </a:r>
+          </a:p>
+          <a:p>
+            <a:pPr marL="342900" indent="-342900" algn="just">
+              <a:buFont typeface="+mj-lt"/>
+              <a:buAutoNum type="arabicPeriod"/>
+            </a:pPr>
+            <a:r>
+              <a:rPr lang="en-GB" sz="2400" dirty="0" err="1"/>
+              <a:t>SICCode</a:t>
+            </a:r>
+            <a:endParaRPr lang="en-GB" sz="2400" dirty="0"/>
+          </a:p>
+          <a:p>
+            <a:pPr marL="342900" indent="-342900" algn="just">
+              <a:buFont typeface="+mj-lt"/>
+              <a:buAutoNum type="arabicPeriod"/>
+            </a:pPr>
+            <a:r>
+              <a:rPr lang="en-GB" sz="2400" dirty="0" err="1"/>
+              <a:t>VatNumber</a:t>
+            </a:r>
+            <a:endParaRPr lang="en-GB" sz="2400" dirty="0"/>
+          </a:p>
+          <a:p>
+            <a:pPr marL="342900" indent="-342900" algn="just">
+              <a:buFont typeface="+mj-lt"/>
+              <a:buAutoNum type="arabicPeriod"/>
+            </a:pPr>
+            <a:r>
+              <a:rPr lang="en-GB" sz="2400" dirty="0" err="1"/>
+              <a:t>SICDescription</a:t>
+            </a:r>
+            <a:endParaRPr lang="en-GB" sz="2400" dirty="0"/>
+          </a:p>
+          <a:p>
+            <a:pPr marL="342900" indent="-342900" algn="just">
+              <a:buFont typeface="+mj-lt"/>
+              <a:buAutoNum type="arabicPeriod"/>
+            </a:pPr>
+            <a:r>
+              <a:rPr lang="en-GB" sz="2400" dirty="0"/>
+              <a:t>Industry</a:t>
+            </a:r>
+          </a:p>
+          <a:p>
+            <a:pPr marL="342900" indent="-342900" algn="just">
+              <a:buFont typeface="+mj-lt"/>
+              <a:buAutoNum type="arabicPeriod"/>
+            </a:pPr>
+            <a:r>
+              <a:rPr lang="en-GB" sz="2400" dirty="0" err="1"/>
+              <a:t>LegalForm</a:t>
+            </a:r>
+            <a:endParaRPr lang="en-GB" sz="2400" dirty="0"/>
+          </a:p>
+          <a:p>
+            <a:pPr marL="342900" indent="-342900" algn="just">
+              <a:buFont typeface="+mj-lt"/>
+              <a:buAutoNum type="arabicPeriod"/>
+            </a:pPr>
+            <a:r>
+              <a:rPr lang="en-GB" sz="2400" dirty="0"/>
+              <a:t> </a:t>
+            </a:r>
+            <a:r>
+              <a:rPr lang="en-GB" sz="2400" dirty="0" err="1"/>
+              <a:t>RegistrationNo</a:t>
+            </a:r>
+            <a:endParaRPr lang="en-GB" sz="2400" dirty="0"/>
+          </a:p>
+          <a:p>
+            <a:pPr marL="342900" indent="-342900" algn="just">
+              <a:buFont typeface="+mj-lt"/>
+              <a:buAutoNum type="arabicPeriod"/>
+            </a:pPr>
+            <a:r>
+              <a:rPr lang="en-GB" sz="2400" dirty="0"/>
+              <a:t> Address</a:t>
+            </a:r>
+          </a:p>
+          <a:p>
+            <a:pPr marL="342900" indent="-342900" algn="just">
+              <a:buFont typeface="+mj-lt"/>
+              <a:buAutoNum type="arabicPeriod"/>
+            </a:pPr>
+            <a:r>
+              <a:rPr lang="en-GB" sz="2400" dirty="0"/>
+              <a:t> </a:t>
+            </a:r>
+            <a:r>
+              <a:rPr lang="en-GB" sz="2400" dirty="0" err="1"/>
+              <a:t>AlexaRank</a:t>
+            </a:r>
+            <a:endParaRPr lang="en-GB" sz="2400" dirty="0"/>
+          </a:p>
+          <a:p>
+            <a:pPr marL="342900" indent="-342900" algn="just">
+              <a:buFont typeface="+mj-lt"/>
+              <a:buAutoNum type="arabicPeriod"/>
+            </a:pPr>
+            <a:r>
+              <a:rPr lang="en-GB" sz="2400" dirty="0"/>
+              <a:t> </a:t>
+            </a:r>
+            <a:r>
+              <a:rPr lang="en-GB" sz="2400" dirty="0" err="1"/>
+              <a:t>MonthlyVisits</a:t>
+            </a:r>
+            <a:endParaRPr lang="en-GB" sz="2400" dirty="0"/>
+          </a:p>
+          <a:p>
+            <a:pPr marL="342900" indent="-342900" algn="just">
+              <a:buFont typeface="+mj-lt"/>
+              <a:buAutoNum type="arabicPeriod"/>
+            </a:pPr>
+            <a:r>
+              <a:rPr lang="en-GB" sz="2400" dirty="0"/>
+              <a:t> </a:t>
+            </a:r>
+            <a:r>
+              <a:rPr lang="en-GB" sz="2400" dirty="0" err="1"/>
+              <a:t>EmployeeNumber</a:t>
+            </a:r>
+            <a:endParaRPr lang="en-GB" sz="2400" dirty="0"/>
+          </a:p>
+          <a:p>
+            <a:pPr marL="342900" indent="-342900" algn="just">
+              <a:buFont typeface="+mj-lt"/>
+              <a:buAutoNum type="arabicPeriod"/>
+            </a:pPr>
+            <a:r>
+              <a:rPr lang="en-GB" sz="2400" dirty="0"/>
+              <a:t> </a:t>
+            </a:r>
+            <a:r>
+              <a:rPr lang="en-GB" sz="2400" dirty="0" err="1"/>
+              <a:t>TurnOver</a:t>
+            </a:r>
+            <a:endParaRPr lang="en-GB" sz="2400" dirty="0"/>
+          </a:p>
+          <a:p>
+            <a:pPr marL="342900" indent="-342900" algn="just">
+              <a:buFont typeface="+mj-lt"/>
+              <a:buAutoNum type="arabicPeriod"/>
+            </a:pPr>
+            <a:r>
+              <a:rPr lang="en-GB" sz="2400" dirty="0"/>
+              <a:t> Age</a:t>
+            </a:r>
+          </a:p>
+          <a:p>
+            <a:pPr marL="342900" indent="-342900" algn="just">
+              <a:buFont typeface="+mj-lt"/>
+              <a:buAutoNum type="arabicPeriod"/>
+            </a:pPr>
+            <a:endParaRPr lang="en-GB" sz="2400" dirty="0"/>
+          </a:p>
+        </p:txBody>
+      </p:sp>
+      <p:sp>
+        <p:nvSpPr>
+          <p:cNvPr id="6" name="Başlık 1">
+            <a:extLst>
+              <a:ext uri="{FF2B5EF4-FFF2-40B4-BE49-F238E27FC236}">
+                <a16:creationId xmlns:a16="http://schemas.microsoft.com/office/drawing/2014/main" id="{D9A7B56F-E743-4A9F-8E7E-06BBE23764DB}"/>
+              </a:ext>
+            </a:extLst>
+          </p:cNvPr>
+          <p:cNvSpPr txBox="1">
+            <a:spLocks/>
+          </p:cNvSpPr>
+          <p:nvPr/>
+        </p:nvSpPr>
+        <p:spPr>
+          <a:xfrm>
+            <a:off x="2589212" y="3672111"/>
+            <a:ext cx="8911687" cy="1280890"/>
+          </a:xfrm>
+          <a:prstGeom prst="rect">
+            <a:avLst/>
+          </a:prstGeom>
+        </p:spPr>
+        <p:txBody>
+          <a:bodyPr vert="horz" lIns="91440" tIns="45720" rIns="91440" bIns="45720" rtlCol="0" anchor="t">
+            <a:normAutofit/>
+            <a:scene3d>
+              <a:camera prst="orthographicFront"/>
+              <a:lightRig rig="soft" dir="t">
+                <a:rot lat="0" lon="0" rev="15600000"/>
+              </a:lightRig>
+            </a:scene3d>
+            <a:sp3d extrusionH="57150" prstMaterial="softEdge">
+              <a:bevelT w="25400" h="38100"/>
+            </a:sp3d>
+          </a:bodyPr>
+          <a:lstStyle>
+            <a:lvl1pPr algn="l" defTabSz="457200" rtl="0" eaLnBrk="1" latinLnBrk="0" hangingPunct="1">
+              <a:spcBef>
+                <a:spcPct val="0"/>
+              </a:spcBef>
+              <a:buNone/>
+              <a:defRPr sz="3600" kern="1200">
+                <a:solidFill>
+                  <a:schemeClr val="tx1">
+                    <a:lumMod val="85000"/>
+                    <a:lumOff val="15000"/>
+                  </a:schemeClr>
+                </a:solidFill>
+                <a:latin typeface="+mj-lt"/>
+                <a:ea typeface="+mj-ea"/>
+                <a:cs typeface="+mj-cs"/>
+              </a:defRPr>
+            </a:lvl1pPr>
+            <a:lvl2pPr eaLnBrk="1" hangingPunct="1">
+              <a:defRPr>
+                <a:solidFill>
+                  <a:schemeClr val="tx2"/>
+                </a:solidFill>
+              </a:defRPr>
+            </a:lvl2pPr>
+            <a:lvl3pPr eaLnBrk="1" hangingPunct="1">
+              <a:defRPr>
+                <a:solidFill>
+                  <a:schemeClr val="tx2"/>
+                </a:solidFill>
+              </a:defRPr>
+            </a:lvl3pPr>
+            <a:lvl4pPr eaLnBrk="1" hangingPunct="1">
+              <a:defRPr>
+                <a:solidFill>
+                  <a:schemeClr val="tx2"/>
+                </a:solidFill>
+              </a:defRPr>
+            </a:lvl4pPr>
+            <a:lvl5pPr eaLnBrk="1" hangingPunct="1">
+              <a:defRPr>
+                <a:solidFill>
+                  <a:schemeClr val="tx2"/>
+                </a:solidFill>
+              </a:defRPr>
+            </a:lvl5pPr>
+            <a:lvl6pPr eaLnBrk="1" hangingPunct="1">
+              <a:defRPr>
+                <a:solidFill>
+                  <a:schemeClr val="tx2"/>
+                </a:solidFill>
+              </a:defRPr>
+            </a:lvl6pPr>
+            <a:lvl7pPr eaLnBrk="1" hangingPunct="1">
+              <a:defRPr>
+                <a:solidFill>
+                  <a:schemeClr val="tx2"/>
+                </a:solidFill>
+              </a:defRPr>
+            </a:lvl7pPr>
+            <a:lvl8pPr eaLnBrk="1" hangingPunct="1">
+              <a:defRPr>
+                <a:solidFill>
+                  <a:schemeClr val="tx2"/>
+                </a:solidFill>
+              </a:defRPr>
+            </a:lvl8pPr>
+            <a:lvl9pPr eaLnBrk="1" hangingPunct="1">
+              <a:defRPr>
+                <a:solidFill>
+                  <a:schemeClr val="tx2"/>
+                </a:solidFill>
+              </a:defRPr>
+            </a:lvl9pPr>
+          </a:lstStyle>
+          <a:p>
+            <a:r>
+              <a:rPr lang="en-GB" b="1" dirty="0">
+                <a:ln/>
+                <a:solidFill>
+                  <a:schemeClr val="accent4"/>
+                </a:solidFill>
+              </a:rPr>
+              <a:t>Data Coverage</a:t>
+            </a:r>
+          </a:p>
+        </p:txBody>
+      </p:sp>
+    </p:spTree>
+    <p:extLst>
+      <p:ext uri="{BB962C8B-B14F-4D97-AF65-F5344CB8AC3E}">
+        <p14:creationId xmlns:p14="http://schemas.microsoft.com/office/powerpoint/2010/main" val="1729084412"/>
+      </p:ext>
+    </p:extLst>
+  </p:cSld>
+  <p:clrMapOvr>
+    <a:masterClrMapping/>
+  </p:clrMapOvr>
+  <p:transition spd="slow">
+    <p:push dir="u"/>
+  </p:transition>
+</p:sld>
+</file>
+
+<file path=ppt/slides/slide6.xml><?xml version="1.0" encoding="utf-8"?>
+<p:sld xmlns:a="http://schemas.openxmlformats.org/drawingml/2006/main" xmlns:r="http://schemas.openxmlformats.org/officeDocument/2006/relationships" xmlns:p="http://schemas.openxmlformats.org/presentationml/2006/main">
+  <p:cSld>
+    <p:spTree>
+      <p:nvGrpSpPr>
+        <p:cNvPr id="1" name=""/>
+        <p:cNvGrpSpPr/>
+        <p:nvPr/>
+      </p:nvGrpSpPr>
+      <p:grpSpPr>
+        <a:xfrm>
+          <a:off x="0" y="0"/>
+          <a:ext cx="0" cy="0"/>
+          <a:chOff x="0" y="0"/>
+          <a:chExt cx="0" cy="0"/>
+        </a:xfrm>
+      </p:grpSpPr>
+      <p:sp>
+        <p:nvSpPr>
+          <p:cNvPr id="2" name="Başlık 1">
+            <a:extLst>
+              <a:ext uri="{FF2B5EF4-FFF2-40B4-BE49-F238E27FC236}">
+                <a16:creationId xmlns:a16="http://schemas.microsoft.com/office/drawing/2014/main" id="{DC96747D-56C9-4BE7-B16E-D80436179804}"/>
+              </a:ext>
+            </a:extLst>
+          </p:cNvPr>
+          <p:cNvSpPr>
+            <a:spLocks noGrp="1"/>
+          </p:cNvSpPr>
+          <p:nvPr>
+            <p:ph type="title"/>
+          </p:nvPr>
+        </p:nvSpPr>
+        <p:spPr/>
+        <p:txBody>
+          <a:bodyPr>
+            <a:scene3d>
+              <a:camera prst="orthographicFront"/>
+              <a:lightRig rig="soft" dir="t">
+                <a:rot lat="0" lon="0" rev="15600000"/>
+              </a:lightRig>
+            </a:scene3d>
+            <a:sp3d extrusionH="57150" prstMaterial="softEdge">
+              <a:bevelT w="25400" h="38100"/>
+            </a:sp3d>
+          </a:bodyPr>
+          <a:lstStyle/>
+          <a:p>
+            <a:r>
+              <a:rPr lang="en-GB" b="1" dirty="0">
+                <a:ln/>
+                <a:solidFill>
+                  <a:schemeClr val="accent4"/>
+                </a:solidFill>
+              </a:rPr>
+              <a:t>Technologies I Used</a:t>
+            </a:r>
+          </a:p>
+        </p:txBody>
+      </p:sp>
+      <p:sp>
+        <p:nvSpPr>
+          <p:cNvPr id="3" name="İçerik Yer Tutucusu 2">
+            <a:extLst>
+              <a:ext uri="{FF2B5EF4-FFF2-40B4-BE49-F238E27FC236}">
+                <a16:creationId xmlns:a16="http://schemas.microsoft.com/office/drawing/2014/main" id="{9879EC07-5C3F-4E79-B4D9-9D81703D3C60}"/>
+              </a:ext>
+            </a:extLst>
+          </p:cNvPr>
+          <p:cNvSpPr>
+            <a:spLocks noGrp="1"/>
+          </p:cNvSpPr>
+          <p:nvPr>
+            <p:ph idx="1"/>
+          </p:nvPr>
+        </p:nvSpPr>
+        <p:spPr>
+          <a:xfrm>
+            <a:off x="2589212" y="1904999"/>
+            <a:ext cx="8915400" cy="4397609"/>
+          </a:xfrm>
+        </p:spPr>
+        <p:txBody>
+          <a:bodyPr>
+            <a:normAutofit/>
+          </a:bodyPr>
+          <a:lstStyle/>
+          <a:p>
+            <a:r>
+              <a:rPr lang="en-GB" dirty="0"/>
+              <a:t>Programming language: C#</a:t>
+            </a:r>
+          </a:p>
+          <a:p>
+            <a:r>
+              <a:rPr lang="en-GB" dirty="0"/>
+              <a:t>Library for scraping: Selenium </a:t>
+            </a:r>
+          </a:p>
+          <a:p>
+            <a:r>
+              <a:rPr lang="en-GB" dirty="0"/>
+              <a:t>Database: MS-SQL Server.</a:t>
+            </a:r>
+          </a:p>
+          <a:p>
+            <a:endParaRPr lang="en-GB" dirty="0"/>
+          </a:p>
+          <a:p>
+            <a:endParaRPr lang="en-GB" dirty="0"/>
+          </a:p>
+          <a:p>
+            <a:endParaRPr lang="en-GB" dirty="0"/>
+          </a:p>
+          <a:p>
+            <a:r>
+              <a:rPr lang="en-GB" dirty="0"/>
+              <a:t>I developed 2 versions. Both are fully automated.</a:t>
+            </a:r>
+          </a:p>
+          <a:p>
+            <a:r>
+              <a:rPr lang="en-GB" dirty="0"/>
+              <a:t>1</a:t>
+            </a:r>
+            <a:r>
+              <a:rPr lang="en-GB" baseline="30000" dirty="0"/>
+              <a:t>st</a:t>
+            </a:r>
+            <a:r>
+              <a:rPr lang="en-GB" dirty="0"/>
+              <a:t> one is able to run fully functional 7/24.</a:t>
+            </a:r>
+          </a:p>
+          <a:p>
+            <a:r>
+              <a:rPr lang="en-GB" dirty="0"/>
+              <a:t>2</a:t>
+            </a:r>
+            <a:r>
+              <a:rPr lang="en-GB" baseline="30000" dirty="0"/>
+              <a:t>nd</a:t>
+            </a:r>
+            <a:r>
+              <a:rPr lang="en-GB" dirty="0"/>
+              <a:t> one was built based on 1</a:t>
+            </a:r>
+            <a:r>
+              <a:rPr lang="en-GB" baseline="30000" dirty="0"/>
+              <a:t>st</a:t>
+            </a:r>
+            <a:r>
+              <a:rPr lang="en-GB" dirty="0"/>
+              <a:t> edition.</a:t>
+            </a:r>
+          </a:p>
+          <a:p>
+            <a:r>
+              <a:rPr lang="en-GB" dirty="0"/>
+              <a:t>Major difference: different filtering parameters are used.</a:t>
+            </a:r>
+          </a:p>
+          <a:p>
+            <a:r>
+              <a:rPr lang="en-GB" dirty="0"/>
+              <a:t>I lost access to data source when I was testing 2</a:t>
+            </a:r>
+            <a:r>
+              <a:rPr lang="en-GB" baseline="30000" dirty="0"/>
+              <a:t>nd</a:t>
+            </a:r>
+            <a:r>
+              <a:rPr lang="en-GB" dirty="0"/>
+              <a:t> version.</a:t>
+            </a:r>
+          </a:p>
+          <a:p>
+            <a:endParaRPr lang="en-GB" dirty="0"/>
+          </a:p>
+          <a:p>
+            <a:endParaRPr lang="en-GB" dirty="0"/>
+          </a:p>
+        </p:txBody>
+      </p:sp>
+      <p:sp>
+        <p:nvSpPr>
+          <p:cNvPr id="4" name="Başlık 1">
+            <a:extLst>
+              <a:ext uri="{FF2B5EF4-FFF2-40B4-BE49-F238E27FC236}">
+                <a16:creationId xmlns:a16="http://schemas.microsoft.com/office/drawing/2014/main" id="{FD9056F6-0568-49F2-8781-40242CBCF4B5}"/>
+              </a:ext>
+            </a:extLst>
+          </p:cNvPr>
+          <p:cNvSpPr txBox="1">
+            <a:spLocks/>
+          </p:cNvSpPr>
+          <p:nvPr/>
+        </p:nvSpPr>
+        <p:spPr>
+          <a:xfrm>
+            <a:off x="2589212" y="3437161"/>
+            <a:ext cx="8911687" cy="1280890"/>
+          </a:xfrm>
+          <a:prstGeom prst="rect">
+            <a:avLst/>
+          </a:prstGeom>
+        </p:spPr>
+        <p:txBody>
+          <a:bodyPr vert="horz" lIns="91440" tIns="45720" rIns="91440" bIns="45720" rtlCol="0" anchor="t">
+            <a:normAutofit/>
+            <a:scene3d>
+              <a:camera prst="orthographicFront"/>
+              <a:lightRig rig="soft" dir="t">
+                <a:rot lat="0" lon="0" rev="15600000"/>
+              </a:lightRig>
+            </a:scene3d>
+            <a:sp3d extrusionH="57150" prstMaterial="softEdge">
+              <a:bevelT w="25400" h="38100"/>
+            </a:sp3d>
+          </a:bodyPr>
+          <a:lstStyle>
+            <a:lvl1pPr algn="l" defTabSz="457200" rtl="0" eaLnBrk="1" latinLnBrk="0" hangingPunct="1">
+              <a:spcBef>
+                <a:spcPct val="0"/>
+              </a:spcBef>
+              <a:buNone/>
+              <a:defRPr sz="3600" kern="1200">
+                <a:solidFill>
+                  <a:schemeClr val="tx1">
+                    <a:lumMod val="85000"/>
+                    <a:lumOff val="15000"/>
+                  </a:schemeClr>
+                </a:solidFill>
+                <a:latin typeface="+mj-lt"/>
+                <a:ea typeface="+mj-ea"/>
+                <a:cs typeface="+mj-cs"/>
+              </a:defRPr>
+            </a:lvl1pPr>
+            <a:lvl2pPr eaLnBrk="1" hangingPunct="1">
+              <a:defRPr>
+                <a:solidFill>
+                  <a:schemeClr val="tx2"/>
+                </a:solidFill>
+              </a:defRPr>
+            </a:lvl2pPr>
+            <a:lvl3pPr eaLnBrk="1" hangingPunct="1">
+              <a:defRPr>
+                <a:solidFill>
+                  <a:schemeClr val="tx2"/>
+                </a:solidFill>
+              </a:defRPr>
+            </a:lvl3pPr>
+            <a:lvl4pPr eaLnBrk="1" hangingPunct="1">
+              <a:defRPr>
+                <a:solidFill>
+                  <a:schemeClr val="tx2"/>
+                </a:solidFill>
+              </a:defRPr>
+            </a:lvl4pPr>
+            <a:lvl5pPr eaLnBrk="1" hangingPunct="1">
+              <a:defRPr>
+                <a:solidFill>
+                  <a:schemeClr val="tx2"/>
+                </a:solidFill>
+              </a:defRPr>
+            </a:lvl5pPr>
+            <a:lvl6pPr eaLnBrk="1" hangingPunct="1">
+              <a:defRPr>
+                <a:solidFill>
+                  <a:schemeClr val="tx2"/>
+                </a:solidFill>
+              </a:defRPr>
+            </a:lvl6pPr>
+            <a:lvl7pPr eaLnBrk="1" hangingPunct="1">
+              <a:defRPr>
+                <a:solidFill>
+                  <a:schemeClr val="tx2"/>
+                </a:solidFill>
+              </a:defRPr>
+            </a:lvl7pPr>
+            <a:lvl8pPr eaLnBrk="1" hangingPunct="1">
+              <a:defRPr>
+                <a:solidFill>
+                  <a:schemeClr val="tx2"/>
+                </a:solidFill>
+              </a:defRPr>
+            </a:lvl8pPr>
+            <a:lvl9pPr eaLnBrk="1" hangingPunct="1">
+              <a:defRPr>
+                <a:solidFill>
+                  <a:schemeClr val="tx2"/>
+                </a:solidFill>
+              </a:defRPr>
+            </a:lvl9pPr>
+          </a:lstStyle>
+          <a:p>
+            <a:r>
+              <a:rPr lang="en-GB" b="1" dirty="0">
+                <a:ln/>
+                <a:solidFill>
+                  <a:schemeClr val="accent4"/>
+                </a:solidFill>
+              </a:rPr>
+              <a:t>Technical Details</a:t>
+            </a:r>
+          </a:p>
+        </p:txBody>
+      </p:sp>
+    </p:spTree>
+    <p:extLst>
+      <p:ext uri="{BB962C8B-B14F-4D97-AF65-F5344CB8AC3E}">
+        <p14:creationId xmlns:p14="http://schemas.microsoft.com/office/powerpoint/2010/main" val="3920174817"/>
+      </p:ext>
+    </p:extLst>
+  </p:cSld>
+  <p:clrMapOvr>
+    <a:masterClrMapping/>
+  </p:clrMapOvr>
+  <p:transition spd="slow">
+    <p:push dir="u"/>
+  </p:transition>
+</p:sld>
+</file>
+
+<file path=ppt/slides/slide7.xml><?xml version="1.0" encoding="utf-8"?>
+<p:sld xmlns:a="http://schemas.openxmlformats.org/drawingml/2006/main" xmlns:r="http://schemas.openxmlformats.org/officeDocument/2006/relationships" xmlns:p="http://schemas.openxmlformats.org/presentationml/2006/main">
+  <p:cSld>
+    <p:spTree>
+      <p:nvGrpSpPr>
+        <p:cNvPr id="1" name=""/>
+        <p:cNvGrpSpPr/>
+        <p:nvPr/>
+      </p:nvGrpSpPr>
+      <p:grpSpPr>
+        <a:xfrm>
+          <a:off x="0" y="0"/>
+          <a:ext cx="0" cy="0"/>
+          <a:chOff x="0" y="0"/>
+          <a:chExt cx="0" cy="0"/>
+        </a:xfrm>
+      </p:grpSpPr>
+      <p:sp>
+        <p:nvSpPr>
+          <p:cNvPr id="2" name="Başlık 1">
+            <a:extLst>
+              <a:ext uri="{FF2B5EF4-FFF2-40B4-BE49-F238E27FC236}">
+                <a16:creationId xmlns:a16="http://schemas.microsoft.com/office/drawing/2014/main" id="{DC96747D-56C9-4BE7-B16E-D80436179804}"/>
+              </a:ext>
+            </a:extLst>
+          </p:cNvPr>
+          <p:cNvSpPr>
+            <a:spLocks noGrp="1"/>
+          </p:cNvSpPr>
+          <p:nvPr>
+            <p:ph type="title"/>
+          </p:nvPr>
+        </p:nvSpPr>
+        <p:spPr/>
+        <p:txBody>
+          <a:bodyPr>
+            <a:scene3d>
+              <a:camera prst="orthographicFront"/>
+              <a:lightRig rig="soft" dir="t">
+                <a:rot lat="0" lon="0" rev="15600000"/>
+              </a:lightRig>
+            </a:scene3d>
+            <a:sp3d extrusionH="57150" prstMaterial="softEdge">
+              <a:bevelT w="25400" h="38100"/>
+            </a:sp3d>
+          </a:bodyPr>
+          <a:lstStyle/>
+          <a:p>
+            <a:r>
+              <a:rPr lang="en-GB" b="1" dirty="0">
+                <a:ln/>
+                <a:solidFill>
+                  <a:schemeClr val="accent4"/>
+                </a:solidFill>
+              </a:rPr>
+              <a:t>Details of Version 1</a:t>
+            </a:r>
+          </a:p>
+        </p:txBody>
+      </p:sp>
+      <p:sp>
+        <p:nvSpPr>
+          <p:cNvPr id="3" name="İçerik Yer Tutucusu 2">
+            <a:extLst>
+              <a:ext uri="{FF2B5EF4-FFF2-40B4-BE49-F238E27FC236}">
+                <a16:creationId xmlns:a16="http://schemas.microsoft.com/office/drawing/2014/main" id="{9879EC07-5C3F-4E79-B4D9-9D81703D3C60}"/>
+              </a:ext>
+            </a:extLst>
+          </p:cNvPr>
+          <p:cNvSpPr>
+            <a:spLocks noGrp="1"/>
+          </p:cNvSpPr>
+          <p:nvPr>
+            <p:ph idx="1"/>
+          </p:nvPr>
+        </p:nvSpPr>
+        <p:spPr>
+          <a:xfrm>
+            <a:off x="2589212" y="1905000"/>
+            <a:ext cx="8915400" cy="4775200"/>
+          </a:xfrm>
+        </p:spPr>
+        <p:txBody>
+          <a:bodyPr>
+            <a:normAutofit/>
+          </a:bodyPr>
+          <a:lstStyle/>
+          <a:p>
+            <a:r>
+              <a:rPr lang="en-GB" dirty="0"/>
+              <a:t>Main function of program takes 3 arguments: </a:t>
+            </a:r>
+          </a:p>
+          <a:p>
+            <a:pPr marL="800100" lvl="1" indent="-342900">
+              <a:buFont typeface="+mj-lt"/>
+              <a:buAutoNum type="arabicPeriod"/>
+            </a:pPr>
+            <a:r>
+              <a:rPr lang="en-GB" dirty="0"/>
+              <a:t>Minimum number of employee</a:t>
+            </a:r>
+          </a:p>
+          <a:p>
+            <a:pPr marL="800100" lvl="1" indent="-342900">
+              <a:buFont typeface="+mj-lt"/>
+              <a:buAutoNum type="arabicPeriod"/>
+            </a:pPr>
+            <a:r>
+              <a:rPr lang="en-GB" dirty="0"/>
+              <a:t>Maximum number of employee</a:t>
+            </a:r>
+          </a:p>
+          <a:p>
+            <a:pPr marL="800100" lvl="1" indent="-342900">
+              <a:buFont typeface="+mj-lt"/>
+              <a:buAutoNum type="arabicPeriod"/>
+            </a:pPr>
+            <a:r>
+              <a:rPr lang="en-GB" dirty="0"/>
+              <a:t>Region index</a:t>
+            </a:r>
+          </a:p>
+          <a:p>
+            <a:pPr>
+              <a:buFont typeface="Wingdings" panose="05000000000000000000" pitchFamily="2" charset="2"/>
+              <a:buChar char="v"/>
+            </a:pPr>
+            <a:r>
+              <a:rPr lang="en-GB"/>
+              <a:t>Total region </a:t>
+            </a:r>
+            <a:r>
+              <a:rPr lang="en-GB" dirty="0"/>
+              <a:t>count is detected by the program and region index is handled automatically.</a:t>
+            </a:r>
+          </a:p>
+          <a:p>
+            <a:pPr marL="0" indent="0">
+              <a:buNone/>
+            </a:pPr>
+            <a:r>
+              <a:rPr lang="en-GB" dirty="0"/>
+              <a:t>When we run program:</a:t>
+            </a:r>
+          </a:p>
+          <a:p>
+            <a:r>
+              <a:rPr lang="en-GB" dirty="0"/>
+              <a:t>Each region is iterated with the current employee number interval.</a:t>
+            </a:r>
+          </a:p>
+          <a:p>
+            <a:r>
+              <a:rPr lang="en-GB" dirty="0"/>
+              <a:t>Then, employee number changes and region index starts from beginning.</a:t>
+            </a:r>
+          </a:p>
+          <a:p>
+            <a:r>
+              <a:rPr lang="en-GB" dirty="0"/>
+              <a:t>After each iteration, program restarts itself with new parameters/filters.</a:t>
+            </a:r>
+          </a:p>
+          <a:p>
+            <a:pPr lvl="1">
+              <a:buFont typeface="Wingdings" panose="05000000000000000000" pitchFamily="2" charset="2"/>
+              <a:buChar char="Ø"/>
+            </a:pPr>
+            <a:r>
+              <a:rPr lang="en-GB" dirty="0"/>
+              <a:t>To free memory use</a:t>
+            </a:r>
+          </a:p>
+          <a:p>
+            <a:pPr lvl="1">
+              <a:buFont typeface="Wingdings" panose="05000000000000000000" pitchFamily="2" charset="2"/>
+              <a:buChar char="Ø"/>
+            </a:pPr>
+            <a:r>
+              <a:rPr lang="en-GB" dirty="0"/>
+              <a:t>To be able to load new filters without crash</a:t>
+            </a:r>
+            <a:br>
+              <a:rPr lang="en-GB" dirty="0"/>
+            </a:br>
+            <a:r>
+              <a:rPr lang="en-GB" dirty="0"/>
+              <a:t>  </a:t>
+            </a:r>
+          </a:p>
+        </p:txBody>
+      </p:sp>
+      <p:pic>
+        <p:nvPicPr>
+          <p:cNvPr id="4" name="Resim 3" descr="metin, bilgisayar, ekran görüntüsü içeren bir resim&#10;&#10;Açıklama otomatik olarak oluşturuldu">
+            <a:extLst>
+              <a:ext uri="{FF2B5EF4-FFF2-40B4-BE49-F238E27FC236}">
+                <a16:creationId xmlns:a16="http://schemas.microsoft.com/office/drawing/2014/main" id="{A28FAF3D-0EA5-3E64-444D-D1EDCEFBCC1D}"/>
+              </a:ext>
+            </a:extLst>
+          </p:cNvPr>
+          <p:cNvPicPr>
+            <a:picLocks noChangeAspect="1"/>
+          </p:cNvPicPr>
+          <p:nvPr/>
+        </p:nvPicPr>
+        <p:blipFill rotWithShape="1">
+          <a:blip r:embed="rId2">
+            <a:extLst>
+              <a:ext uri="{28A0092B-C50C-407E-A947-70E740481C1C}">
+                <a14:useLocalDpi xmlns:a14="http://schemas.microsoft.com/office/drawing/2010/main" val="0"/>
+              </a:ext>
+            </a:extLst>
+          </a:blip>
+          <a:srcRect r="86900"/>
+          <a:stretch/>
+        </p:blipFill>
+        <p:spPr>
+          <a:xfrm>
+            <a:off x="184811" y="1905000"/>
+            <a:ext cx="2357719" cy="4076700"/>
+          </a:xfrm>
+          <a:prstGeom prst="rect">
+            <a:avLst/>
+          </a:prstGeom>
+        </p:spPr>
+      </p:pic>
+    </p:spTree>
+    <p:extLst>
+      <p:ext uri="{BB962C8B-B14F-4D97-AF65-F5344CB8AC3E}">
+        <p14:creationId xmlns:p14="http://schemas.microsoft.com/office/powerpoint/2010/main" val="1939367058"/>
+      </p:ext>
+    </p:extLst>
+  </p:cSld>
+  <p:clrMapOvr>
+    <a:masterClrMapping/>
+  </p:clrMapOvr>
+  <p:transition spd="slow">
+    <p:push dir="u"/>
+  </p:transition>
+</p:sld>
+</file>
+
+<file path=ppt/slides/slide8.xml><?xml version="1.0" encoding="utf-8"?>
+<p:sld xmlns:a="http://schemas.openxmlformats.org/drawingml/2006/main" xmlns:r="http://schemas.openxmlformats.org/officeDocument/2006/relationships" xmlns:p="http://schemas.openxmlformats.org/presentationml/2006/main">
+  <p:cSld>
+    <p:spTree>
+      <p:nvGrpSpPr>
+        <p:cNvPr id="1" name=""/>
+        <p:cNvGrpSpPr/>
+        <p:nvPr/>
+      </p:nvGrpSpPr>
+      <p:grpSpPr>
+        <a:xfrm>
+          <a:off x="0" y="0"/>
+          <a:ext cx="0" cy="0"/>
+          <a:chOff x="0" y="0"/>
+          <a:chExt cx="0" cy="0"/>
+        </a:xfrm>
+      </p:grpSpPr>
+      <p:sp>
+        <p:nvSpPr>
+          <p:cNvPr id="2" name="Başlık 1">
+            <a:extLst>
+              <a:ext uri="{FF2B5EF4-FFF2-40B4-BE49-F238E27FC236}">
+                <a16:creationId xmlns:a16="http://schemas.microsoft.com/office/drawing/2014/main" id="{DC96747D-56C9-4BE7-B16E-D80436179804}"/>
+              </a:ext>
+            </a:extLst>
+          </p:cNvPr>
+          <p:cNvSpPr>
+            <a:spLocks noGrp="1"/>
+          </p:cNvSpPr>
+          <p:nvPr>
+            <p:ph type="title"/>
+          </p:nvPr>
+        </p:nvSpPr>
+        <p:spPr/>
+        <p:txBody>
+          <a:bodyPr>
+            <a:scene3d>
+              <a:camera prst="orthographicFront"/>
+              <a:lightRig rig="soft" dir="t">
+                <a:rot lat="0" lon="0" rev="15600000"/>
+              </a:lightRig>
+            </a:scene3d>
+            <a:sp3d extrusionH="57150" prstMaterial="softEdge">
+              <a:bevelT w="25400" h="38100"/>
+            </a:sp3d>
+          </a:bodyPr>
+          <a:lstStyle/>
+          <a:p>
+            <a:r>
+              <a:rPr lang="en-GB" b="1" dirty="0">
+                <a:ln/>
+                <a:solidFill>
+                  <a:schemeClr val="accent4"/>
+                </a:solidFill>
+              </a:rPr>
+              <a:t>Details of Version 2 (Beta)</a:t>
+            </a:r>
+          </a:p>
+        </p:txBody>
+      </p:sp>
+      <p:sp>
+        <p:nvSpPr>
+          <p:cNvPr id="3" name="İçerik Yer Tutucusu 2">
+            <a:extLst>
+              <a:ext uri="{FF2B5EF4-FFF2-40B4-BE49-F238E27FC236}">
+                <a16:creationId xmlns:a16="http://schemas.microsoft.com/office/drawing/2014/main" id="{9879EC07-5C3F-4E79-B4D9-9D81703D3C60}"/>
+              </a:ext>
+            </a:extLst>
+          </p:cNvPr>
+          <p:cNvSpPr>
+            <a:spLocks noGrp="1"/>
+          </p:cNvSpPr>
+          <p:nvPr>
+            <p:ph idx="1"/>
+          </p:nvPr>
+        </p:nvSpPr>
+        <p:spPr>
+          <a:xfrm>
+            <a:off x="2589212" y="1904999"/>
+            <a:ext cx="8915400" cy="4741278"/>
+          </a:xfrm>
+        </p:spPr>
+        <p:txBody>
+          <a:bodyPr>
+            <a:normAutofit lnSpcReduction="10000"/>
+          </a:bodyPr>
+          <a:lstStyle/>
+          <a:p>
+            <a:r>
+              <a:rPr lang="en-GB" dirty="0"/>
+              <a:t>Main function of program takes 3 arguments: </a:t>
+            </a:r>
+          </a:p>
+          <a:p>
+            <a:pPr marL="800100" lvl="1" indent="-342900">
+              <a:buFont typeface="+mj-lt"/>
+              <a:buAutoNum type="arabicParenR"/>
+            </a:pPr>
+            <a:r>
+              <a:rPr lang="en-GB" b="1" dirty="0"/>
+              <a:t>Index of tuple list </a:t>
+            </a:r>
+            <a:r>
+              <a:rPr lang="en-GB" dirty="0"/>
+              <a:t>where minimum and maximum employee numbers are held.</a:t>
+            </a:r>
+          </a:p>
+          <a:p>
+            <a:pPr marL="800100" lvl="1" indent="-342900">
+              <a:buFont typeface="+mj-lt"/>
+              <a:buAutoNum type="arabicParenR"/>
+            </a:pPr>
+            <a:r>
+              <a:rPr lang="en-GB" b="1" dirty="0"/>
+              <a:t>Corporation start date </a:t>
+            </a:r>
+            <a:r>
+              <a:rPr lang="en-GB" dirty="0"/>
+              <a:t>of last iteration, that date will be set as end date of next iteration. And start date of new iteration is calculated automatically.</a:t>
+            </a:r>
+          </a:p>
+          <a:p>
+            <a:pPr lvl="2">
+              <a:buFont typeface="Arial" panose="020B0604020202020204" pitchFamily="34" charset="0"/>
+              <a:buChar char="•"/>
+            </a:pPr>
+            <a:r>
+              <a:rPr lang="en-GB" dirty="0"/>
+              <a:t>Specifically calculated corporation date interval, brings data in the amount that you want. I set it to ‘less than 7000’.</a:t>
+            </a:r>
+          </a:p>
+          <a:p>
+            <a:pPr marL="800100" lvl="1" indent="-342900">
+              <a:buFont typeface="+mj-lt"/>
+              <a:buAutoNum type="arabicParenR"/>
+            </a:pPr>
+            <a:r>
+              <a:rPr lang="en-GB" dirty="0"/>
+              <a:t>And a </a:t>
+            </a:r>
+            <a:r>
+              <a:rPr lang="en-GB" b="1" dirty="0"/>
+              <a:t>Boolean</a:t>
+            </a:r>
+            <a:r>
+              <a:rPr lang="en-GB" dirty="0"/>
+              <a:t> that basically indicates either to change date interval or employee number.</a:t>
+            </a:r>
+          </a:p>
+          <a:p>
+            <a:pPr lvl="1">
+              <a:buFont typeface="Wingdings" panose="05000000000000000000" pitchFamily="2" charset="2"/>
+              <a:buChar char="v"/>
+            </a:pPr>
+            <a:r>
+              <a:rPr lang="en-GB" dirty="0"/>
+              <a:t>Region is not used for filtering anymore because some countries aren’t displayed under any region. </a:t>
+            </a:r>
+          </a:p>
+          <a:p>
+            <a:r>
+              <a:rPr lang="en-GB" dirty="0"/>
+              <a:t>Corporation date could be the best choice as filter. For crucial reasons:</a:t>
+            </a:r>
+          </a:p>
+          <a:p>
+            <a:pPr lvl="1">
+              <a:buFont typeface="Wingdings" panose="05000000000000000000" pitchFamily="2" charset="2"/>
+              <a:buChar char="Ø"/>
+            </a:pPr>
+            <a:r>
+              <a:rPr lang="en-GB" dirty="0"/>
+              <a:t>We can change </a:t>
+            </a:r>
+            <a:r>
+              <a:rPr lang="en-GB" b="1" dirty="0"/>
+              <a:t>date interval </a:t>
+            </a:r>
+            <a:r>
+              <a:rPr lang="en-GB" dirty="0"/>
+              <a:t>as we wish and bring as many as data we want.</a:t>
+            </a:r>
+          </a:p>
+          <a:p>
+            <a:pPr lvl="1">
+              <a:buFont typeface="Wingdings" panose="05000000000000000000" pitchFamily="2" charset="2"/>
+              <a:buChar char="Ø"/>
+            </a:pPr>
+            <a:r>
+              <a:rPr lang="en-GB" dirty="0"/>
+              <a:t>All data rows belong to some date interval, so all data can be scraped without loss.</a:t>
+            </a:r>
+          </a:p>
+          <a:p>
+            <a:r>
+              <a:rPr lang="en-GB" dirty="0"/>
+              <a:t>I really wish I had access to data source for longer time, so I could finish it.</a:t>
+            </a:r>
+          </a:p>
+        </p:txBody>
+      </p:sp>
+    </p:spTree>
+    <p:extLst>
+      <p:ext uri="{BB962C8B-B14F-4D97-AF65-F5344CB8AC3E}">
+        <p14:creationId xmlns:p14="http://schemas.microsoft.com/office/powerpoint/2010/main" val="2733042547"/>
+      </p:ext>
+    </p:extLst>
+  </p:cSld>
+  <p:clrMapOvr>
+    <a:masterClrMapping/>
+  </p:clrMapOvr>
+  <p:transition spd="slow">
+    <p:push dir="u"/>
+  </p:transition>
+</p:sld>
+</file>
+
+<file path=ppt/slides/slide9.xml><?xml version="1.0" encoding="utf-8"?>
+<p:sld xmlns:a="http://schemas.openxmlformats.org/drawingml/2006/main" xmlns:r="http://schemas.openxmlformats.org/officeDocument/2006/relationships" xmlns:p="http://schemas.openxmlformats.org/presentationml/2006/main">
+  <p:cSld>
+    <p:spTree>
+      <p:nvGrpSpPr>
+        <p:cNvPr id="1" name=""/>
+        <p:cNvGrpSpPr/>
+        <p:nvPr/>
+      </p:nvGrpSpPr>
+      <p:grpSpPr>
+        <a:xfrm>
+          <a:off x="0" y="0"/>
+          <a:ext cx="0" cy="0"/>
+          <a:chOff x="0" y="0"/>
+          <a:chExt cx="0" cy="0"/>
+        </a:xfrm>
+      </p:grpSpPr>
+      <p:sp>
+        <p:nvSpPr>
+          <p:cNvPr id="2" name="Başlık 1">
+            <a:extLst>
+              <a:ext uri="{FF2B5EF4-FFF2-40B4-BE49-F238E27FC236}">
+                <a16:creationId xmlns:a16="http://schemas.microsoft.com/office/drawing/2014/main" id="{DC96747D-56C9-4BE7-B16E-D80436179804}"/>
+              </a:ext>
+            </a:extLst>
+          </p:cNvPr>
+          <p:cNvSpPr>
+            <a:spLocks noGrp="1"/>
+          </p:cNvSpPr>
+          <p:nvPr>
+            <p:ph type="title"/>
+          </p:nvPr>
+        </p:nvSpPr>
         <p:spPr>
           <a:xfrm>
             <a:off x="6286501" y="5798915"/>
@@ -7928,12 +9849,8 @@
           </a:p>
           <a:p>
             <a:r>
-              <a:rPr lang="en-GB"/>
-              <a:t>Moving hard-coded </a:t>
-            </a:r>
-            <a:r>
               <a:rPr lang="en-GB" dirty="0"/>
-              <a:t>values such as </a:t>
+              <a:t>Moving hard-coded values such as </a:t>
             </a:r>
             <a:r>
               <a:rPr lang="en-GB" i="1" dirty="0"/>
@@ -8208,2011 +10125,6 @@
       <p:bldP spid="2" grpId="0"/>
     </p:bldLst>
   </p:timing>
-</p:sld>
-</file>
-
-<file path=ppt/slides/slide2.xml><?xml version="1.0" encoding="utf-8"?>
-<p:sld xmlns:a="http://schemas.openxmlformats.org/drawingml/2006/main" xmlns:r="http://schemas.openxmlformats.org/officeDocument/2006/relationships" xmlns:p="http://schemas.openxmlformats.org/presentationml/2006/main">
-  <p:cSld>
-    <p:spTree>
-      <p:nvGrpSpPr>
-        <p:cNvPr id="1" name=""/>
-        <p:cNvGrpSpPr/>
-        <p:nvPr/>
-      </p:nvGrpSpPr>
-      <p:grpSpPr>
-        <a:xfrm>
-          <a:off x="0" y="0"/>
-          <a:ext cx="0" cy="0"/>
-          <a:chOff x="0" y="0"/>
-          <a:chExt cx="0" cy="0"/>
-        </a:xfrm>
-      </p:grpSpPr>
-      <p:sp>
-        <p:nvSpPr>
-          <p:cNvPr id="2" name="Başlık 1">
-            <a:extLst>
-              <a:ext uri="{FF2B5EF4-FFF2-40B4-BE49-F238E27FC236}">
-                <a16:creationId xmlns:a16="http://schemas.microsoft.com/office/drawing/2014/main" id="{DC96747D-56C9-4BE7-B16E-D80436179804}"/>
-              </a:ext>
-            </a:extLst>
-          </p:cNvPr>
-          <p:cNvSpPr>
-            <a:spLocks noGrp="1"/>
-          </p:cNvSpPr>
-          <p:nvPr>
-            <p:ph type="title"/>
-          </p:nvPr>
-        </p:nvSpPr>
-        <p:spPr/>
-        <p:txBody>
-          <a:bodyPr>
-            <a:scene3d>
-              <a:camera prst="orthographicFront"/>
-              <a:lightRig rig="soft" dir="t">
-                <a:rot lat="0" lon="0" rev="15600000"/>
-              </a:lightRig>
-            </a:scene3d>
-            <a:sp3d extrusionH="57150" prstMaterial="softEdge">
-              <a:bevelT w="25400" h="38100"/>
-            </a:sp3d>
-          </a:bodyPr>
-          <a:lstStyle/>
-          <a:p>
-            <a:r>
-              <a:rPr lang="en-GB" b="1" dirty="0">
-                <a:ln/>
-                <a:solidFill>
-                  <a:schemeClr val="accent4"/>
-                </a:solidFill>
-              </a:rPr>
-              <a:t>General Challenges</a:t>
-            </a:r>
-          </a:p>
-        </p:txBody>
-      </p:sp>
-      <p:sp>
-        <p:nvSpPr>
-          <p:cNvPr id="3" name="İçerik Yer Tutucusu 2">
-            <a:extLst>
-              <a:ext uri="{FF2B5EF4-FFF2-40B4-BE49-F238E27FC236}">
-                <a16:creationId xmlns:a16="http://schemas.microsoft.com/office/drawing/2014/main" id="{9879EC07-5C3F-4E79-B4D9-9D81703D3C60}"/>
-              </a:ext>
-            </a:extLst>
-          </p:cNvPr>
-          <p:cNvSpPr>
-            <a:spLocks noGrp="1"/>
-          </p:cNvSpPr>
-          <p:nvPr>
-            <p:ph idx="1"/>
-          </p:nvPr>
-        </p:nvSpPr>
-        <p:spPr>
-          <a:xfrm>
-            <a:off x="2589212" y="1905000"/>
-            <a:ext cx="9348788" cy="4328890"/>
-          </a:xfrm>
-        </p:spPr>
-        <p:txBody>
-          <a:bodyPr>
-            <a:normAutofit/>
-          </a:bodyPr>
-          <a:lstStyle/>
-          <a:p>
-            <a:r>
-              <a:rPr lang="en-GB" dirty="0"/>
-              <a:t>Biggest challenge was to find a data source </a:t>
-            </a:r>
-            <a:r>
-              <a:rPr lang="en-GB" dirty="0">
-                <a:sym typeface="Wingdings" panose="05000000000000000000" pitchFamily="2" charset="2"/>
-              </a:rPr>
-              <a:t></a:t>
-            </a:r>
-          </a:p>
-          <a:p>
-            <a:r>
-              <a:rPr lang="en-GB" dirty="0">
-                <a:sym typeface="Wingdings" panose="05000000000000000000" pitchFamily="2" charset="2"/>
-              </a:rPr>
-              <a:t>Our country was changed from Brazil to Sweden on 1</a:t>
-            </a:r>
-            <a:r>
-              <a:rPr lang="en-GB" baseline="30000" dirty="0">
-                <a:sym typeface="Wingdings" panose="05000000000000000000" pitchFamily="2" charset="2"/>
-              </a:rPr>
-              <a:t>st</a:t>
-            </a:r>
-            <a:r>
-              <a:rPr lang="en-GB" dirty="0">
-                <a:sym typeface="Wingdings" panose="05000000000000000000" pitchFamily="2" charset="2"/>
-              </a:rPr>
-              <a:t> of March.</a:t>
-            </a:r>
-          </a:p>
-          <a:p>
-            <a:r>
-              <a:rPr lang="en-GB" dirty="0">
-                <a:sym typeface="Wingdings" panose="05000000000000000000" pitchFamily="2" charset="2"/>
-              </a:rPr>
-              <a:t>I found data source on the same day.</a:t>
-            </a:r>
-          </a:p>
-          <a:p>
-            <a:r>
-              <a:rPr lang="en-GB" dirty="0">
-                <a:sym typeface="Wingdings" panose="05000000000000000000" pitchFamily="2" charset="2"/>
-              </a:rPr>
-              <a:t>Team</a:t>
-            </a:r>
-          </a:p>
-          <a:p>
-            <a:r>
-              <a:rPr lang="en-GB" dirty="0">
-                <a:sym typeface="Wingdings" panose="05000000000000000000" pitchFamily="2" charset="2"/>
-              </a:rPr>
-              <a:t>I had access to my data source </a:t>
-            </a:r>
-            <a:r>
-              <a:rPr lang="en-GB" sz="2000" dirty="0">
-                <a:sym typeface="Wingdings" panose="05000000000000000000" pitchFamily="2" charset="2"/>
-              </a:rPr>
-              <a:t>(globaldatabase.com)</a:t>
-            </a:r>
-            <a:r>
-              <a:rPr lang="en-GB" dirty="0">
-                <a:sym typeface="Wingdings" panose="05000000000000000000" pitchFamily="2" charset="2"/>
-              </a:rPr>
-              <a:t> on 2023-03-01_20:58.</a:t>
-            </a:r>
-          </a:p>
-          <a:p>
-            <a:r>
-              <a:rPr lang="en-GB" dirty="0">
-                <a:sym typeface="Wingdings" panose="05000000000000000000" pitchFamily="2" charset="2"/>
-              </a:rPr>
-              <a:t>I lost access to my data source on 2023-13-01.</a:t>
-            </a:r>
-          </a:p>
-          <a:p>
-            <a:r>
-              <a:rPr lang="en-GB" dirty="0">
-                <a:sym typeface="Wingdings" panose="05000000000000000000" pitchFamily="2" charset="2"/>
-              </a:rPr>
-              <a:t>Account was probably locked or banned due to over use.</a:t>
-            </a:r>
-          </a:p>
-          <a:p>
-            <a:r>
-              <a:rPr lang="en-GB" dirty="0">
-                <a:sym typeface="Wingdings" panose="05000000000000000000" pitchFamily="2" charset="2"/>
-              </a:rPr>
-              <a:t>So, I had </a:t>
-            </a:r>
-            <a:r>
-              <a:rPr lang="en-GB" b="1" u="sng" dirty="0">
-                <a:sym typeface="Wingdings" panose="05000000000000000000" pitchFamily="2" charset="2"/>
-              </a:rPr>
-              <a:t>only </a:t>
-            </a:r>
-            <a:r>
-              <a:rPr lang="en-GB" sz="2000" b="1" u="sng" dirty="0">
-                <a:sym typeface="Wingdings" panose="05000000000000000000" pitchFamily="2" charset="2"/>
-              </a:rPr>
-              <a:t>10 days</a:t>
-            </a:r>
-            <a:r>
-              <a:rPr lang="en-GB" sz="2000" b="1" dirty="0">
-                <a:sym typeface="Wingdings" panose="05000000000000000000" pitchFamily="2" charset="2"/>
-              </a:rPr>
-              <a:t> for both developing</a:t>
-            </a:r>
-            <a:r>
-              <a:rPr lang="en-GB" sz="2000" dirty="0">
-                <a:sym typeface="Wingdings" panose="05000000000000000000" pitchFamily="2" charset="2"/>
-              </a:rPr>
-              <a:t> the program and </a:t>
-            </a:r>
-            <a:r>
-              <a:rPr lang="en-GB" sz="2000" b="1" dirty="0">
-                <a:sym typeface="Wingdings" panose="05000000000000000000" pitchFamily="2" charset="2"/>
-              </a:rPr>
-              <a:t>scraping</a:t>
-            </a:r>
-            <a:r>
-              <a:rPr lang="en-GB" sz="2000" dirty="0">
-                <a:sym typeface="Wingdings" panose="05000000000000000000" pitchFamily="2" charset="2"/>
-              </a:rPr>
-              <a:t> the data.</a:t>
-            </a:r>
-            <a:endParaRPr lang="en-GB" dirty="0"/>
-          </a:p>
-        </p:txBody>
-      </p:sp>
-    </p:spTree>
-    <p:extLst>
-      <p:ext uri="{BB962C8B-B14F-4D97-AF65-F5344CB8AC3E}">
-        <p14:creationId xmlns:p14="http://schemas.microsoft.com/office/powerpoint/2010/main" val="1987459264"/>
-      </p:ext>
-    </p:extLst>
-  </p:cSld>
-  <p:clrMapOvr>
-    <a:masterClrMapping/>
-  </p:clrMapOvr>
-  <p:transition spd="slow">
-    <p:push dir="u"/>
-  </p:transition>
-</p:sld>
-</file>
-
-<file path=ppt/slides/slide3.xml><?xml version="1.0" encoding="utf-8"?>
-<p:sld xmlns:a="http://schemas.openxmlformats.org/drawingml/2006/main" xmlns:r="http://schemas.openxmlformats.org/officeDocument/2006/relationships" xmlns:p="http://schemas.openxmlformats.org/presentationml/2006/main">
-  <p:cSld>
-    <p:spTree>
-      <p:nvGrpSpPr>
-        <p:cNvPr id="1" name=""/>
-        <p:cNvGrpSpPr/>
-        <p:nvPr/>
-      </p:nvGrpSpPr>
-      <p:grpSpPr>
-        <a:xfrm>
-          <a:off x="0" y="0"/>
-          <a:ext cx="0" cy="0"/>
-          <a:chOff x="0" y="0"/>
-          <a:chExt cx="0" cy="0"/>
-        </a:xfrm>
-      </p:grpSpPr>
-      <p:sp>
-        <p:nvSpPr>
-          <p:cNvPr id="2" name="Başlık 1">
-            <a:extLst>
-              <a:ext uri="{FF2B5EF4-FFF2-40B4-BE49-F238E27FC236}">
-                <a16:creationId xmlns:a16="http://schemas.microsoft.com/office/drawing/2014/main" id="{DC96747D-56C9-4BE7-B16E-D80436179804}"/>
-              </a:ext>
-            </a:extLst>
-          </p:cNvPr>
-          <p:cNvSpPr>
-            <a:spLocks noGrp="1"/>
-          </p:cNvSpPr>
-          <p:nvPr>
-            <p:ph type="title"/>
-          </p:nvPr>
-        </p:nvSpPr>
-        <p:spPr/>
-        <p:txBody>
-          <a:bodyPr>
-            <a:scene3d>
-              <a:camera prst="orthographicFront"/>
-              <a:lightRig rig="soft" dir="t">
-                <a:rot lat="0" lon="0" rev="15600000"/>
-              </a:lightRig>
-            </a:scene3d>
-            <a:sp3d extrusionH="57150" prstMaterial="softEdge">
-              <a:bevelT w="25400" h="38100"/>
-            </a:sp3d>
-          </a:bodyPr>
-          <a:lstStyle/>
-          <a:p>
-            <a:r>
-              <a:rPr lang="en-GB" b="1" dirty="0">
-                <a:ln/>
-                <a:solidFill>
-                  <a:schemeClr val="accent4"/>
-                </a:solidFill>
-              </a:rPr>
-              <a:t>Coding Challenges</a:t>
-            </a:r>
-          </a:p>
-        </p:txBody>
-      </p:sp>
-      <p:sp>
-        <p:nvSpPr>
-          <p:cNvPr id="3" name="İçerik Yer Tutucusu 2">
-            <a:extLst>
-              <a:ext uri="{FF2B5EF4-FFF2-40B4-BE49-F238E27FC236}">
-                <a16:creationId xmlns:a16="http://schemas.microsoft.com/office/drawing/2014/main" id="{9879EC07-5C3F-4E79-B4D9-9D81703D3C60}"/>
-              </a:ext>
-            </a:extLst>
-          </p:cNvPr>
-          <p:cNvSpPr>
-            <a:spLocks noGrp="1"/>
-          </p:cNvSpPr>
-          <p:nvPr>
-            <p:ph idx="1"/>
-          </p:nvPr>
-        </p:nvSpPr>
-        <p:spPr>
-          <a:xfrm>
-            <a:off x="2589212" y="1905000"/>
-            <a:ext cx="8915400" cy="4953000"/>
-          </a:xfrm>
-        </p:spPr>
-        <p:txBody>
-          <a:bodyPr>
-            <a:normAutofit fontScale="92500" lnSpcReduction="10000"/>
-          </a:bodyPr>
-          <a:lstStyle/>
-          <a:p>
-            <a:r>
-              <a:rPr lang="en-GB" sz="1800" b="1" dirty="0"/>
-              <a:t>All data is displayed in one page:</a:t>
-            </a:r>
-            <a:endParaRPr lang="en-GB" dirty="0"/>
-          </a:p>
-          <a:p>
-            <a:pPr marL="800100" lvl="1" indent="-342900">
-              <a:buFont typeface="+mj-lt"/>
-              <a:buAutoNum type="arabicPeriod"/>
-            </a:pPr>
-            <a:r>
-              <a:rPr lang="en-GB" dirty="0"/>
-              <a:t>You need to scroll down to load new data rows.</a:t>
-            </a:r>
-          </a:p>
-          <a:p>
-            <a:pPr lvl="2">
-              <a:buFont typeface="Wingdings" panose="05000000000000000000" pitchFamily="2" charset="2"/>
-              <a:buChar char="Ø"/>
-            </a:pPr>
-            <a:r>
-              <a:rPr lang="en-GB" dirty="0"/>
-              <a:t>Particularly coded.</a:t>
-            </a:r>
-          </a:p>
-          <a:p>
-            <a:pPr marL="800100" lvl="1" indent="-342900">
-              <a:buFont typeface="+mj-lt"/>
-              <a:buAutoNum type="arabicPeriod"/>
-            </a:pPr>
-            <a:r>
-              <a:rPr lang="en-GB" dirty="0"/>
-              <a:t>Memory overload</a:t>
-            </a:r>
-          </a:p>
-          <a:p>
-            <a:pPr lvl="2">
-              <a:buFont typeface="Wingdings" panose="05000000000000000000" pitchFamily="2" charset="2"/>
-              <a:buChar char="Ø"/>
-            </a:pPr>
-            <a:r>
-              <a:rPr lang="en-GB" dirty="0"/>
-              <a:t>Scraped data rows are particularly deleted from html via code.</a:t>
-            </a:r>
-          </a:p>
-          <a:p>
-            <a:pPr lvl="2">
-              <a:buFont typeface="Wingdings" panose="05000000000000000000" pitchFamily="2" charset="2"/>
-              <a:buChar char="Ø"/>
-            </a:pPr>
-            <a:r>
-              <a:rPr lang="en-GB" dirty="0"/>
-              <a:t>Program restarts itself when filter is needed to be changed.</a:t>
-            </a:r>
-          </a:p>
-          <a:p>
-            <a:pPr marL="800100" lvl="1" indent="-342900">
-              <a:buFont typeface="+mj-lt"/>
-              <a:buAutoNum type="arabicPeriod"/>
-            </a:pPr>
-            <a:r>
-              <a:rPr lang="en-GB" dirty="0"/>
-              <a:t>Even if you keep scrolling down, more than about 10k rows are not loaded.</a:t>
-            </a:r>
-          </a:p>
-          <a:p>
-            <a:pPr lvl="1">
-              <a:buFont typeface="Wingdings" panose="05000000000000000000" pitchFamily="2" charset="2"/>
-              <a:buChar char="v"/>
-            </a:pPr>
-            <a:r>
-              <a:rPr lang="en-GB" b="1" dirty="0"/>
-              <a:t>Solution: </a:t>
-            </a:r>
-            <a:r>
-              <a:rPr lang="en-GB" dirty="0"/>
-              <a:t>Effective use of filters.</a:t>
-            </a:r>
-          </a:p>
-          <a:p>
-            <a:pPr lvl="2">
-              <a:buFont typeface="Wingdings" panose="05000000000000000000" pitchFamily="2" charset="2"/>
-              <a:buChar char="Ø"/>
-            </a:pPr>
-            <a:r>
-              <a:rPr lang="en-GB" dirty="0"/>
-              <a:t>Employee number of company is a good filter, but not enough.</a:t>
-            </a:r>
-          </a:p>
-          <a:p>
-            <a:pPr lvl="2">
-              <a:buFont typeface="Wingdings" panose="05000000000000000000" pitchFamily="2" charset="2"/>
-              <a:buChar char="Ø"/>
-            </a:pPr>
-            <a:r>
-              <a:rPr lang="en-GB" dirty="0"/>
-              <a:t>My 1</a:t>
-            </a:r>
-            <a:r>
-              <a:rPr lang="en-GB" baseline="30000" dirty="0"/>
-              <a:t>st</a:t>
-            </a:r>
-            <a:r>
-              <a:rPr lang="en-GB" dirty="0"/>
-              <a:t> approach was to go region by region.</a:t>
-            </a:r>
-          </a:p>
-          <a:p>
-            <a:pPr lvl="2">
-              <a:buFont typeface="Wingdings" panose="05000000000000000000" pitchFamily="2" charset="2"/>
-              <a:buChar char="Ø"/>
-            </a:pPr>
-            <a:r>
-              <a:rPr lang="en-GB" dirty="0"/>
-              <a:t>2</a:t>
-            </a:r>
-            <a:r>
-              <a:rPr lang="en-GB" baseline="30000" dirty="0"/>
-              <a:t>nd</a:t>
-            </a:r>
-            <a:r>
-              <a:rPr lang="en-GB" dirty="0"/>
-              <a:t> one was to use ‘</a:t>
-            </a:r>
-            <a:r>
-              <a:rPr lang="en-GB" b="1" dirty="0"/>
-              <a:t>corporation date start and end</a:t>
-            </a:r>
-            <a:r>
-              <a:rPr lang="en-GB" dirty="0"/>
-              <a:t>’ filters.</a:t>
-            </a:r>
-          </a:p>
-          <a:p>
-            <a:r>
-              <a:rPr lang="en-GB" dirty="0"/>
-              <a:t>You need to click to see phone number and email address.</a:t>
-            </a:r>
-          </a:p>
-          <a:p>
-            <a:pPr lvl="1">
-              <a:buFont typeface="Wingdings" panose="05000000000000000000" pitchFamily="2" charset="2"/>
-              <a:buChar char="Ø"/>
-            </a:pPr>
-            <a:r>
-              <a:rPr lang="en-GB" dirty="0"/>
-              <a:t>Particularly clicked via code.</a:t>
-            </a:r>
-          </a:p>
-          <a:p>
-            <a:r>
-              <a:rPr lang="en-GB" dirty="0"/>
-              <a:t>Resizing browser windows was needed and done via code.</a:t>
-            </a:r>
-          </a:p>
-          <a:p>
-            <a:pPr lvl="1">
-              <a:buFont typeface="Wingdings" panose="05000000000000000000" pitchFamily="2" charset="2"/>
-              <a:buChar char="Ø"/>
-            </a:pPr>
-            <a:r>
-              <a:rPr lang="en-GB" dirty="0"/>
-              <a:t>Particularly coded.</a:t>
-            </a:r>
-          </a:p>
-        </p:txBody>
-      </p:sp>
-    </p:spTree>
-    <p:extLst>
-      <p:ext uri="{BB962C8B-B14F-4D97-AF65-F5344CB8AC3E}">
-        <p14:creationId xmlns:p14="http://schemas.microsoft.com/office/powerpoint/2010/main" val="3072210009"/>
-      </p:ext>
-    </p:extLst>
-  </p:cSld>
-  <p:clrMapOvr>
-    <a:masterClrMapping/>
-  </p:clrMapOvr>
-  <p:transition spd="slow">
-    <p:push dir="u"/>
-  </p:transition>
-</p:sld>
-</file>
-
-<file path=ppt/slides/slide4.xml><?xml version="1.0" encoding="utf-8"?>
-<p:sld xmlns:a="http://schemas.openxmlformats.org/drawingml/2006/main" xmlns:r="http://schemas.openxmlformats.org/officeDocument/2006/relationships" xmlns:p="http://schemas.openxmlformats.org/presentationml/2006/main">
-  <p:cSld>
-    <p:spTree>
-      <p:nvGrpSpPr>
-        <p:cNvPr id="1" name=""/>
-        <p:cNvGrpSpPr/>
-        <p:nvPr/>
-      </p:nvGrpSpPr>
-      <p:grpSpPr>
-        <a:xfrm>
-          <a:off x="0" y="0"/>
-          <a:ext cx="0" cy="0"/>
-          <a:chOff x="0" y="0"/>
-          <a:chExt cx="0" cy="0"/>
-        </a:xfrm>
-      </p:grpSpPr>
-      <p:sp>
-        <p:nvSpPr>
-          <p:cNvPr id="2" name="Başlık 1">
-            <a:extLst>
-              <a:ext uri="{FF2B5EF4-FFF2-40B4-BE49-F238E27FC236}">
-                <a16:creationId xmlns:a16="http://schemas.microsoft.com/office/drawing/2014/main" id="{8197EEA6-77CE-4B79-89EE-701F0DA369F8}"/>
-              </a:ext>
-            </a:extLst>
-          </p:cNvPr>
-          <p:cNvSpPr>
-            <a:spLocks noGrp="1"/>
-          </p:cNvSpPr>
-          <p:nvPr>
-            <p:ph type="title"/>
-          </p:nvPr>
-        </p:nvSpPr>
-        <p:spPr/>
-        <p:txBody>
-          <a:bodyPr/>
-          <a:lstStyle/>
-          <a:p>
-            <a:endParaRPr lang="en-GB"/>
-          </a:p>
-        </p:txBody>
-      </p:sp>
-      <p:sp>
-        <p:nvSpPr>
-          <p:cNvPr id="3" name="İçerik Yer Tutucusu 2">
-            <a:extLst>
-              <a:ext uri="{FF2B5EF4-FFF2-40B4-BE49-F238E27FC236}">
-                <a16:creationId xmlns:a16="http://schemas.microsoft.com/office/drawing/2014/main" id="{A814BC89-7A36-4DFB-A511-0ACFBD3B8605}"/>
-              </a:ext>
-            </a:extLst>
-          </p:cNvPr>
-          <p:cNvSpPr>
-            <a:spLocks noGrp="1"/>
-          </p:cNvSpPr>
-          <p:nvPr>
-            <p:ph idx="1"/>
-          </p:nvPr>
-        </p:nvSpPr>
-        <p:spPr/>
-        <p:txBody>
-          <a:bodyPr/>
-          <a:lstStyle/>
-          <a:p>
-            <a:endParaRPr lang="en-GB"/>
-          </a:p>
-        </p:txBody>
-      </p:sp>
-      <p:pic>
-        <p:nvPicPr>
-          <p:cNvPr id="4" name="Resim 3">
-            <a:extLst>
-              <a:ext uri="{FF2B5EF4-FFF2-40B4-BE49-F238E27FC236}">
-                <a16:creationId xmlns:a16="http://schemas.microsoft.com/office/drawing/2014/main" id="{5B41634F-4E6B-4E6E-9968-F34A41F5B146}"/>
-              </a:ext>
-            </a:extLst>
-          </p:cNvPr>
-          <p:cNvPicPr>
-            <a:picLocks noChangeAspect="1"/>
-          </p:cNvPicPr>
-          <p:nvPr/>
-        </p:nvPicPr>
-        <p:blipFill>
-          <a:blip r:embed="rId2">
-            <a:extLst>
-              <a:ext uri="{28A0092B-C50C-407E-A947-70E740481C1C}">
-                <a14:useLocalDpi xmlns:a14="http://schemas.microsoft.com/office/drawing/2010/main" val="0"/>
-              </a:ext>
-            </a:extLst>
-          </a:blip>
-          <a:stretch>
-            <a:fillRect/>
-          </a:stretch>
-        </p:blipFill>
-        <p:spPr>
-          <a:xfrm>
-            <a:off x="2072859" y="0"/>
-            <a:ext cx="8452682" cy="6858000"/>
-          </a:xfrm>
-          <a:prstGeom prst="rect">
-            <a:avLst/>
-          </a:prstGeom>
-        </p:spPr>
-      </p:pic>
-    </p:spTree>
-    <p:extLst>
-      <p:ext uri="{BB962C8B-B14F-4D97-AF65-F5344CB8AC3E}">
-        <p14:creationId xmlns:p14="http://schemas.microsoft.com/office/powerpoint/2010/main" val="408996819"/>
-      </p:ext>
-    </p:extLst>
-  </p:cSld>
-  <p:clrMapOvr>
-    <a:masterClrMapping/>
-  </p:clrMapOvr>
-  <p:transition spd="med">
-    <p:pull/>
-  </p:transition>
-</p:sld>
-</file>
-
-<file path=ppt/slides/slide5.xml><?xml version="1.0" encoding="utf-8"?>
-<p:sld xmlns:a="http://schemas.openxmlformats.org/drawingml/2006/main" xmlns:r="http://schemas.openxmlformats.org/officeDocument/2006/relationships" xmlns:p="http://schemas.openxmlformats.org/presentationml/2006/main">
-  <p:cSld>
-    <p:spTree>
-      <p:nvGrpSpPr>
-        <p:cNvPr id="1" name=""/>
-        <p:cNvGrpSpPr/>
-        <p:nvPr/>
-      </p:nvGrpSpPr>
-      <p:grpSpPr>
-        <a:xfrm>
-          <a:off x="0" y="0"/>
-          <a:ext cx="0" cy="0"/>
-          <a:chOff x="0" y="0"/>
-          <a:chExt cx="0" cy="0"/>
-        </a:xfrm>
-      </p:grpSpPr>
-      <p:sp>
-        <p:nvSpPr>
-          <p:cNvPr id="2" name="Başlık 1">
-            <a:extLst>
-              <a:ext uri="{FF2B5EF4-FFF2-40B4-BE49-F238E27FC236}">
-                <a16:creationId xmlns:a16="http://schemas.microsoft.com/office/drawing/2014/main" id="{DC96747D-56C9-4BE7-B16E-D80436179804}"/>
-              </a:ext>
-            </a:extLst>
-          </p:cNvPr>
-          <p:cNvSpPr>
-            <a:spLocks noGrp="1"/>
-          </p:cNvSpPr>
-          <p:nvPr>
-            <p:ph type="title"/>
-          </p:nvPr>
-        </p:nvSpPr>
-        <p:spPr/>
-        <p:txBody>
-          <a:bodyPr>
-            <a:scene3d>
-              <a:camera prst="orthographicFront"/>
-              <a:lightRig rig="soft" dir="t">
-                <a:rot lat="0" lon="0" rev="15600000"/>
-              </a:lightRig>
-            </a:scene3d>
-            <a:sp3d extrusionH="57150" prstMaterial="softEdge">
-              <a:bevelT w="25400" h="38100"/>
-            </a:sp3d>
-          </a:bodyPr>
-          <a:lstStyle/>
-          <a:p>
-            <a:r>
-              <a:rPr lang="en-GB" b="1" dirty="0">
-                <a:ln/>
-                <a:solidFill>
-                  <a:schemeClr val="accent4"/>
-                </a:solidFill>
-              </a:rPr>
-              <a:t>Achievements</a:t>
-            </a:r>
-          </a:p>
-        </p:txBody>
-      </p:sp>
-      <p:sp>
-        <p:nvSpPr>
-          <p:cNvPr id="3" name="İçerik Yer Tutucusu 2">
-            <a:extLst>
-              <a:ext uri="{FF2B5EF4-FFF2-40B4-BE49-F238E27FC236}">
-                <a16:creationId xmlns:a16="http://schemas.microsoft.com/office/drawing/2014/main" id="{9879EC07-5C3F-4E79-B4D9-9D81703D3C60}"/>
-              </a:ext>
-            </a:extLst>
-          </p:cNvPr>
-          <p:cNvSpPr>
-            <a:spLocks noGrp="1"/>
-          </p:cNvSpPr>
-          <p:nvPr>
-            <p:ph idx="1"/>
-          </p:nvPr>
-        </p:nvSpPr>
-        <p:spPr>
-          <a:xfrm>
-            <a:off x="2589212" y="1905000"/>
-            <a:ext cx="8915400" cy="4006222"/>
-          </a:xfrm>
-        </p:spPr>
-        <p:txBody>
-          <a:bodyPr/>
-          <a:lstStyle/>
-          <a:p>
-            <a:r>
-              <a:rPr lang="en-GB" dirty="0"/>
-              <a:t>I managed to scrape 170 663 data rows accurately.</a:t>
-            </a:r>
-          </a:p>
-          <a:p>
-            <a:r>
-              <a:rPr lang="en-GB" dirty="0"/>
-              <a:t>And 1290 rows with missing phone number or/and email address.</a:t>
-            </a:r>
-          </a:p>
-          <a:p>
-            <a:r>
-              <a:rPr lang="en-GB" dirty="0"/>
-              <a:t>So, overall data accuracy in scraping is around %99.</a:t>
-            </a:r>
-          </a:p>
-          <a:p>
-            <a:r>
-              <a:rPr lang="en-GB" dirty="0"/>
-              <a:t>However, I increased accuracy up to %99.9 after I updated my code.</a:t>
-            </a:r>
-          </a:p>
-        </p:txBody>
-      </p:sp>
-      <p:sp>
-        <p:nvSpPr>
-          <p:cNvPr id="5" name="Metin kutusu 4">
-            <a:extLst>
-              <a:ext uri="{FF2B5EF4-FFF2-40B4-BE49-F238E27FC236}">
-                <a16:creationId xmlns:a16="http://schemas.microsoft.com/office/drawing/2014/main" id="{2B855A99-0FA6-4EA9-ABF1-70B1D9EED376}"/>
-              </a:ext>
-            </a:extLst>
-          </p:cNvPr>
-          <p:cNvSpPr txBox="1"/>
-          <p:nvPr/>
-        </p:nvSpPr>
-        <p:spPr>
-          <a:xfrm>
-            <a:off x="2178049" y="4349651"/>
-            <a:ext cx="9764383" cy="2308324"/>
-          </a:xfrm>
-          <a:prstGeom prst="rect">
-            <a:avLst/>
-          </a:prstGeom>
-          <a:noFill/>
-        </p:spPr>
-        <p:txBody>
-          <a:bodyPr wrap="square" numCol="3">
-            <a:spAutoFit/>
-          </a:bodyPr>
-          <a:lstStyle/>
-          <a:p>
-            <a:pPr marL="342900" indent="-342900" algn="just">
-              <a:buFont typeface="+mj-lt"/>
-              <a:buAutoNum type="arabicPeriod"/>
-            </a:pPr>
-            <a:r>
-              <a:rPr lang="en-GB" sz="2400" dirty="0"/>
-              <a:t>CompanyName</a:t>
-            </a:r>
-          </a:p>
-          <a:p>
-            <a:pPr marL="342900" indent="-342900" algn="just">
-              <a:buFont typeface="+mj-lt"/>
-              <a:buAutoNum type="arabicPeriod"/>
-            </a:pPr>
-            <a:r>
-              <a:rPr lang="en-GB" sz="2400" dirty="0" err="1"/>
-              <a:t>CompanyEmail</a:t>
-            </a:r>
-            <a:endParaRPr lang="en-GB" sz="2400" dirty="0"/>
-          </a:p>
-          <a:p>
-            <a:pPr marL="342900" indent="-342900" algn="just">
-              <a:buFont typeface="+mj-lt"/>
-              <a:buAutoNum type="arabicPeriod"/>
-            </a:pPr>
-            <a:r>
-              <a:rPr lang="en-GB" sz="2400" dirty="0"/>
-              <a:t>Phone</a:t>
-            </a:r>
-          </a:p>
-          <a:p>
-            <a:pPr marL="342900" indent="-342900" algn="just">
-              <a:buFont typeface="+mj-lt"/>
-              <a:buAutoNum type="arabicPeriod"/>
-            </a:pPr>
-            <a:r>
-              <a:rPr lang="en-GB" sz="2400" dirty="0"/>
-              <a:t>Website</a:t>
-            </a:r>
-          </a:p>
-          <a:p>
-            <a:pPr marL="342900" indent="-342900" algn="just">
-              <a:buFont typeface="+mj-lt"/>
-              <a:buAutoNum type="arabicPeriod"/>
-            </a:pPr>
-            <a:r>
-              <a:rPr lang="en-GB" sz="2400" dirty="0" err="1"/>
-              <a:t>SICCode</a:t>
-            </a:r>
-            <a:endParaRPr lang="en-GB" sz="2400" dirty="0"/>
-          </a:p>
-          <a:p>
-            <a:pPr marL="342900" indent="-342900" algn="just">
-              <a:buFont typeface="+mj-lt"/>
-              <a:buAutoNum type="arabicPeriod"/>
-            </a:pPr>
-            <a:r>
-              <a:rPr lang="en-GB" sz="2400" dirty="0" err="1"/>
-              <a:t>VatNumber</a:t>
-            </a:r>
-            <a:endParaRPr lang="en-GB" sz="2400" dirty="0"/>
-          </a:p>
-          <a:p>
-            <a:pPr marL="342900" indent="-342900" algn="just">
-              <a:buFont typeface="+mj-lt"/>
-              <a:buAutoNum type="arabicPeriod"/>
-            </a:pPr>
-            <a:r>
-              <a:rPr lang="en-GB" sz="2400" dirty="0" err="1"/>
-              <a:t>SICDescription</a:t>
-            </a:r>
-            <a:endParaRPr lang="en-GB" sz="2400" dirty="0"/>
-          </a:p>
-          <a:p>
-            <a:pPr marL="342900" indent="-342900" algn="just">
-              <a:buFont typeface="+mj-lt"/>
-              <a:buAutoNum type="arabicPeriod"/>
-            </a:pPr>
-            <a:r>
-              <a:rPr lang="en-GB" sz="2400" dirty="0"/>
-              <a:t>Industry</a:t>
-            </a:r>
-          </a:p>
-          <a:p>
-            <a:pPr marL="342900" indent="-342900" algn="just">
-              <a:buFont typeface="+mj-lt"/>
-              <a:buAutoNum type="arabicPeriod"/>
-            </a:pPr>
-            <a:r>
-              <a:rPr lang="en-GB" sz="2400" dirty="0" err="1"/>
-              <a:t>LegalForm</a:t>
-            </a:r>
-            <a:endParaRPr lang="en-GB" sz="2400" dirty="0"/>
-          </a:p>
-          <a:p>
-            <a:pPr marL="342900" indent="-342900" algn="just">
-              <a:buFont typeface="+mj-lt"/>
-              <a:buAutoNum type="arabicPeriod"/>
-            </a:pPr>
-            <a:r>
-              <a:rPr lang="en-GB" sz="2400" dirty="0"/>
-              <a:t> </a:t>
-            </a:r>
-            <a:r>
-              <a:rPr lang="en-GB" sz="2400" dirty="0" err="1"/>
-              <a:t>RegistrationNo</a:t>
-            </a:r>
-            <a:endParaRPr lang="en-GB" sz="2400" dirty="0"/>
-          </a:p>
-          <a:p>
-            <a:pPr marL="342900" indent="-342900" algn="just">
-              <a:buFont typeface="+mj-lt"/>
-              <a:buAutoNum type="arabicPeriod"/>
-            </a:pPr>
-            <a:r>
-              <a:rPr lang="en-GB" sz="2400" dirty="0"/>
-              <a:t> Address</a:t>
-            </a:r>
-          </a:p>
-          <a:p>
-            <a:pPr marL="342900" indent="-342900" algn="just">
-              <a:buFont typeface="+mj-lt"/>
-              <a:buAutoNum type="arabicPeriod"/>
-            </a:pPr>
-            <a:r>
-              <a:rPr lang="en-GB" sz="2400" dirty="0"/>
-              <a:t> </a:t>
-            </a:r>
-            <a:r>
-              <a:rPr lang="en-GB" sz="2400" dirty="0" err="1"/>
-              <a:t>AlexaRank</a:t>
-            </a:r>
-            <a:endParaRPr lang="en-GB" sz="2400" dirty="0"/>
-          </a:p>
-          <a:p>
-            <a:pPr marL="342900" indent="-342900" algn="just">
-              <a:buFont typeface="+mj-lt"/>
-              <a:buAutoNum type="arabicPeriod"/>
-            </a:pPr>
-            <a:r>
-              <a:rPr lang="en-GB" sz="2400" dirty="0"/>
-              <a:t> </a:t>
-            </a:r>
-            <a:r>
-              <a:rPr lang="en-GB" sz="2400" dirty="0" err="1"/>
-              <a:t>MonthlyVisits</a:t>
-            </a:r>
-            <a:endParaRPr lang="en-GB" sz="2400" dirty="0"/>
-          </a:p>
-          <a:p>
-            <a:pPr marL="342900" indent="-342900" algn="just">
-              <a:buFont typeface="+mj-lt"/>
-              <a:buAutoNum type="arabicPeriod"/>
-            </a:pPr>
-            <a:r>
-              <a:rPr lang="en-GB" sz="2400" dirty="0"/>
-              <a:t> </a:t>
-            </a:r>
-            <a:r>
-              <a:rPr lang="en-GB" sz="2400" dirty="0" err="1"/>
-              <a:t>EmployeeNumber</a:t>
-            </a:r>
-            <a:endParaRPr lang="en-GB" sz="2400" dirty="0"/>
-          </a:p>
-          <a:p>
-            <a:pPr marL="342900" indent="-342900" algn="just">
-              <a:buFont typeface="+mj-lt"/>
-              <a:buAutoNum type="arabicPeriod"/>
-            </a:pPr>
-            <a:r>
-              <a:rPr lang="en-GB" sz="2400" dirty="0"/>
-              <a:t> </a:t>
-            </a:r>
-            <a:r>
-              <a:rPr lang="en-GB" sz="2400" dirty="0" err="1"/>
-              <a:t>TurnOver</a:t>
-            </a:r>
-            <a:endParaRPr lang="en-GB" sz="2400" dirty="0"/>
-          </a:p>
-          <a:p>
-            <a:pPr marL="342900" indent="-342900" algn="just">
-              <a:buFont typeface="+mj-lt"/>
-              <a:buAutoNum type="arabicPeriod"/>
-            </a:pPr>
-            <a:r>
-              <a:rPr lang="en-GB" sz="2400" dirty="0"/>
-              <a:t> Age</a:t>
-            </a:r>
-          </a:p>
-          <a:p>
-            <a:pPr marL="342900" indent="-342900" algn="just">
-              <a:buFont typeface="+mj-lt"/>
-              <a:buAutoNum type="arabicPeriod"/>
-            </a:pPr>
-            <a:endParaRPr lang="en-GB" sz="2400" dirty="0"/>
-          </a:p>
-        </p:txBody>
-      </p:sp>
-      <p:sp>
-        <p:nvSpPr>
-          <p:cNvPr id="6" name="Başlık 1">
-            <a:extLst>
-              <a:ext uri="{FF2B5EF4-FFF2-40B4-BE49-F238E27FC236}">
-                <a16:creationId xmlns:a16="http://schemas.microsoft.com/office/drawing/2014/main" id="{D9A7B56F-E743-4A9F-8E7E-06BBE23764DB}"/>
-              </a:ext>
-            </a:extLst>
-          </p:cNvPr>
-          <p:cNvSpPr txBox="1">
-            <a:spLocks/>
-          </p:cNvSpPr>
-          <p:nvPr/>
-        </p:nvSpPr>
-        <p:spPr>
-          <a:xfrm>
-            <a:off x="2589212" y="3672111"/>
-            <a:ext cx="8911687" cy="1280890"/>
-          </a:xfrm>
-          <a:prstGeom prst="rect">
-            <a:avLst/>
-          </a:prstGeom>
-        </p:spPr>
-        <p:txBody>
-          <a:bodyPr vert="horz" lIns="91440" tIns="45720" rIns="91440" bIns="45720" rtlCol="0" anchor="t">
-            <a:normAutofit/>
-            <a:scene3d>
-              <a:camera prst="orthographicFront"/>
-              <a:lightRig rig="soft" dir="t">
-                <a:rot lat="0" lon="0" rev="15600000"/>
-              </a:lightRig>
-            </a:scene3d>
-            <a:sp3d extrusionH="57150" prstMaterial="softEdge">
-              <a:bevelT w="25400" h="38100"/>
-            </a:sp3d>
-          </a:bodyPr>
-          <a:lstStyle>
-            <a:lvl1pPr algn="l" defTabSz="457200" rtl="0" eaLnBrk="1" latinLnBrk="0" hangingPunct="1">
-              <a:spcBef>
-                <a:spcPct val="0"/>
-              </a:spcBef>
-              <a:buNone/>
-              <a:defRPr sz="3600" kern="1200">
-                <a:solidFill>
-                  <a:schemeClr val="tx1">
-                    <a:lumMod val="85000"/>
-                    <a:lumOff val="15000"/>
-                  </a:schemeClr>
-                </a:solidFill>
-                <a:latin typeface="+mj-lt"/>
-                <a:ea typeface="+mj-ea"/>
-                <a:cs typeface="+mj-cs"/>
-              </a:defRPr>
-            </a:lvl1pPr>
-            <a:lvl2pPr eaLnBrk="1" hangingPunct="1">
-              <a:defRPr>
-                <a:solidFill>
-                  <a:schemeClr val="tx2"/>
-                </a:solidFill>
-              </a:defRPr>
-            </a:lvl2pPr>
-            <a:lvl3pPr eaLnBrk="1" hangingPunct="1">
-              <a:defRPr>
-                <a:solidFill>
-                  <a:schemeClr val="tx2"/>
-                </a:solidFill>
-              </a:defRPr>
-            </a:lvl3pPr>
-            <a:lvl4pPr eaLnBrk="1" hangingPunct="1">
-              <a:defRPr>
-                <a:solidFill>
-                  <a:schemeClr val="tx2"/>
-                </a:solidFill>
-              </a:defRPr>
-            </a:lvl4pPr>
-            <a:lvl5pPr eaLnBrk="1" hangingPunct="1">
-              <a:defRPr>
-                <a:solidFill>
-                  <a:schemeClr val="tx2"/>
-                </a:solidFill>
-              </a:defRPr>
-            </a:lvl5pPr>
-            <a:lvl6pPr eaLnBrk="1" hangingPunct="1">
-              <a:defRPr>
-                <a:solidFill>
-                  <a:schemeClr val="tx2"/>
-                </a:solidFill>
-              </a:defRPr>
-            </a:lvl6pPr>
-            <a:lvl7pPr eaLnBrk="1" hangingPunct="1">
-              <a:defRPr>
-                <a:solidFill>
-                  <a:schemeClr val="tx2"/>
-                </a:solidFill>
-              </a:defRPr>
-            </a:lvl7pPr>
-            <a:lvl8pPr eaLnBrk="1" hangingPunct="1">
-              <a:defRPr>
-                <a:solidFill>
-                  <a:schemeClr val="tx2"/>
-                </a:solidFill>
-              </a:defRPr>
-            </a:lvl8pPr>
-            <a:lvl9pPr eaLnBrk="1" hangingPunct="1">
-              <a:defRPr>
-                <a:solidFill>
-                  <a:schemeClr val="tx2"/>
-                </a:solidFill>
-              </a:defRPr>
-            </a:lvl9pPr>
-          </a:lstStyle>
-          <a:p>
-            <a:r>
-              <a:rPr lang="en-GB" b="1" dirty="0">
-                <a:ln/>
-                <a:solidFill>
-                  <a:schemeClr val="accent4"/>
-                </a:solidFill>
-              </a:rPr>
-              <a:t>Data Coverage</a:t>
-            </a:r>
-          </a:p>
-        </p:txBody>
-      </p:sp>
-    </p:spTree>
-    <p:extLst>
-      <p:ext uri="{BB962C8B-B14F-4D97-AF65-F5344CB8AC3E}">
-        <p14:creationId xmlns:p14="http://schemas.microsoft.com/office/powerpoint/2010/main" val="1729084412"/>
-      </p:ext>
-    </p:extLst>
-  </p:cSld>
-  <p:clrMapOvr>
-    <a:masterClrMapping/>
-  </p:clrMapOvr>
-  <p:transition spd="slow">
-    <p:push dir="u"/>
-  </p:transition>
-</p:sld>
-</file>
-
-<file path=ppt/slides/slide6.xml><?xml version="1.0" encoding="utf-8"?>
-<p:sld xmlns:a="http://schemas.openxmlformats.org/drawingml/2006/main" xmlns:r="http://schemas.openxmlformats.org/officeDocument/2006/relationships" xmlns:p="http://schemas.openxmlformats.org/presentationml/2006/main">
-  <p:cSld>
-    <p:spTree>
-      <p:nvGrpSpPr>
-        <p:cNvPr id="1" name=""/>
-        <p:cNvGrpSpPr/>
-        <p:nvPr/>
-      </p:nvGrpSpPr>
-      <p:grpSpPr>
-        <a:xfrm>
-          <a:off x="0" y="0"/>
-          <a:ext cx="0" cy="0"/>
-          <a:chOff x="0" y="0"/>
-          <a:chExt cx="0" cy="0"/>
-        </a:xfrm>
-      </p:grpSpPr>
-      <p:sp>
-        <p:nvSpPr>
-          <p:cNvPr id="2" name="Başlık 1">
-            <a:extLst>
-              <a:ext uri="{FF2B5EF4-FFF2-40B4-BE49-F238E27FC236}">
-                <a16:creationId xmlns:a16="http://schemas.microsoft.com/office/drawing/2014/main" id="{DC96747D-56C9-4BE7-B16E-D80436179804}"/>
-              </a:ext>
-            </a:extLst>
-          </p:cNvPr>
-          <p:cNvSpPr>
-            <a:spLocks noGrp="1"/>
-          </p:cNvSpPr>
-          <p:nvPr>
-            <p:ph type="title"/>
-          </p:nvPr>
-        </p:nvSpPr>
-        <p:spPr/>
-        <p:txBody>
-          <a:bodyPr>
-            <a:scene3d>
-              <a:camera prst="orthographicFront"/>
-              <a:lightRig rig="soft" dir="t">
-                <a:rot lat="0" lon="0" rev="15600000"/>
-              </a:lightRig>
-            </a:scene3d>
-            <a:sp3d extrusionH="57150" prstMaterial="softEdge">
-              <a:bevelT w="25400" h="38100"/>
-            </a:sp3d>
-          </a:bodyPr>
-          <a:lstStyle/>
-          <a:p>
-            <a:r>
-              <a:rPr lang="en-GB" b="1" dirty="0">
-                <a:ln/>
-                <a:solidFill>
-                  <a:schemeClr val="accent4"/>
-                </a:solidFill>
-              </a:rPr>
-              <a:t>Technologies I Used</a:t>
-            </a:r>
-          </a:p>
-        </p:txBody>
-      </p:sp>
-      <p:sp>
-        <p:nvSpPr>
-          <p:cNvPr id="3" name="İçerik Yer Tutucusu 2">
-            <a:extLst>
-              <a:ext uri="{FF2B5EF4-FFF2-40B4-BE49-F238E27FC236}">
-                <a16:creationId xmlns:a16="http://schemas.microsoft.com/office/drawing/2014/main" id="{9879EC07-5C3F-4E79-B4D9-9D81703D3C60}"/>
-              </a:ext>
-            </a:extLst>
-          </p:cNvPr>
-          <p:cNvSpPr>
-            <a:spLocks noGrp="1"/>
-          </p:cNvSpPr>
-          <p:nvPr>
-            <p:ph idx="1"/>
-          </p:nvPr>
-        </p:nvSpPr>
-        <p:spPr>
-          <a:xfrm>
-            <a:off x="2589212" y="1904999"/>
-            <a:ext cx="8915400" cy="4397609"/>
-          </a:xfrm>
-        </p:spPr>
-        <p:txBody>
-          <a:bodyPr>
-            <a:normAutofit/>
-          </a:bodyPr>
-          <a:lstStyle/>
-          <a:p>
-            <a:r>
-              <a:rPr lang="en-GB" dirty="0"/>
-              <a:t>Programming language: C#</a:t>
-            </a:r>
-          </a:p>
-          <a:p>
-            <a:r>
-              <a:rPr lang="en-GB" dirty="0"/>
-              <a:t>Library for scraping: Selenium </a:t>
-            </a:r>
-          </a:p>
-          <a:p>
-            <a:r>
-              <a:rPr lang="en-GB" dirty="0"/>
-              <a:t>Database: MS-SQL Server.</a:t>
-            </a:r>
-          </a:p>
-          <a:p>
-            <a:endParaRPr lang="en-GB" dirty="0"/>
-          </a:p>
-          <a:p>
-            <a:endParaRPr lang="en-GB" dirty="0"/>
-          </a:p>
-          <a:p>
-            <a:endParaRPr lang="en-GB" dirty="0"/>
-          </a:p>
-          <a:p>
-            <a:r>
-              <a:rPr lang="en-GB" dirty="0"/>
-              <a:t>I developed 2 versions. Both are fully automated.</a:t>
-            </a:r>
-          </a:p>
-          <a:p>
-            <a:r>
-              <a:rPr lang="en-GB" dirty="0"/>
-              <a:t>1</a:t>
-            </a:r>
-            <a:r>
-              <a:rPr lang="en-GB" baseline="30000" dirty="0"/>
-              <a:t>st</a:t>
-            </a:r>
-            <a:r>
-              <a:rPr lang="en-GB" dirty="0"/>
-              <a:t> one is able to run fully functional 7/24.</a:t>
-            </a:r>
-          </a:p>
-          <a:p>
-            <a:r>
-              <a:rPr lang="en-GB" dirty="0"/>
-              <a:t>2</a:t>
-            </a:r>
-            <a:r>
-              <a:rPr lang="en-GB" baseline="30000" dirty="0"/>
-              <a:t>nd</a:t>
-            </a:r>
-            <a:r>
-              <a:rPr lang="en-GB" dirty="0"/>
-              <a:t> one was built based on 1</a:t>
-            </a:r>
-            <a:r>
-              <a:rPr lang="en-GB" baseline="30000" dirty="0"/>
-              <a:t>st</a:t>
-            </a:r>
-            <a:r>
-              <a:rPr lang="en-GB" dirty="0"/>
-              <a:t> edition.</a:t>
-            </a:r>
-          </a:p>
-          <a:p>
-            <a:r>
-              <a:rPr lang="en-GB" dirty="0"/>
-              <a:t>Major difference: different filtering parameters are used.</a:t>
-            </a:r>
-          </a:p>
-          <a:p>
-            <a:r>
-              <a:rPr lang="en-GB" dirty="0"/>
-              <a:t>I lost access to data source when I was testing 2</a:t>
-            </a:r>
-            <a:r>
-              <a:rPr lang="en-GB" baseline="30000" dirty="0"/>
-              <a:t>nd</a:t>
-            </a:r>
-            <a:r>
-              <a:rPr lang="en-GB" dirty="0"/>
-              <a:t> version.</a:t>
-            </a:r>
-          </a:p>
-          <a:p>
-            <a:endParaRPr lang="en-GB" dirty="0"/>
-          </a:p>
-          <a:p>
-            <a:endParaRPr lang="en-GB" dirty="0"/>
-          </a:p>
-        </p:txBody>
-      </p:sp>
-      <p:sp>
-        <p:nvSpPr>
-          <p:cNvPr id="4" name="Başlık 1">
-            <a:extLst>
-              <a:ext uri="{FF2B5EF4-FFF2-40B4-BE49-F238E27FC236}">
-                <a16:creationId xmlns:a16="http://schemas.microsoft.com/office/drawing/2014/main" id="{FD9056F6-0568-49F2-8781-40242CBCF4B5}"/>
-              </a:ext>
-            </a:extLst>
-          </p:cNvPr>
-          <p:cNvSpPr txBox="1">
-            <a:spLocks/>
-          </p:cNvSpPr>
-          <p:nvPr/>
-        </p:nvSpPr>
-        <p:spPr>
-          <a:xfrm>
-            <a:off x="2589212" y="3437161"/>
-            <a:ext cx="8911687" cy="1280890"/>
-          </a:xfrm>
-          <a:prstGeom prst="rect">
-            <a:avLst/>
-          </a:prstGeom>
-        </p:spPr>
-        <p:txBody>
-          <a:bodyPr vert="horz" lIns="91440" tIns="45720" rIns="91440" bIns="45720" rtlCol="0" anchor="t">
-            <a:normAutofit/>
-            <a:scene3d>
-              <a:camera prst="orthographicFront"/>
-              <a:lightRig rig="soft" dir="t">
-                <a:rot lat="0" lon="0" rev="15600000"/>
-              </a:lightRig>
-            </a:scene3d>
-            <a:sp3d extrusionH="57150" prstMaterial="softEdge">
-              <a:bevelT w="25400" h="38100"/>
-            </a:sp3d>
-          </a:bodyPr>
-          <a:lstStyle>
-            <a:lvl1pPr algn="l" defTabSz="457200" rtl="0" eaLnBrk="1" latinLnBrk="0" hangingPunct="1">
-              <a:spcBef>
-                <a:spcPct val="0"/>
-              </a:spcBef>
-              <a:buNone/>
-              <a:defRPr sz="3600" kern="1200">
-                <a:solidFill>
-                  <a:schemeClr val="tx1">
-                    <a:lumMod val="85000"/>
-                    <a:lumOff val="15000"/>
-                  </a:schemeClr>
-                </a:solidFill>
-                <a:latin typeface="+mj-lt"/>
-                <a:ea typeface="+mj-ea"/>
-                <a:cs typeface="+mj-cs"/>
-              </a:defRPr>
-            </a:lvl1pPr>
-            <a:lvl2pPr eaLnBrk="1" hangingPunct="1">
-              <a:defRPr>
-                <a:solidFill>
-                  <a:schemeClr val="tx2"/>
-                </a:solidFill>
-              </a:defRPr>
-            </a:lvl2pPr>
-            <a:lvl3pPr eaLnBrk="1" hangingPunct="1">
-              <a:defRPr>
-                <a:solidFill>
-                  <a:schemeClr val="tx2"/>
-                </a:solidFill>
-              </a:defRPr>
-            </a:lvl3pPr>
-            <a:lvl4pPr eaLnBrk="1" hangingPunct="1">
-              <a:defRPr>
-                <a:solidFill>
-                  <a:schemeClr val="tx2"/>
-                </a:solidFill>
-              </a:defRPr>
-            </a:lvl4pPr>
-            <a:lvl5pPr eaLnBrk="1" hangingPunct="1">
-              <a:defRPr>
-                <a:solidFill>
-                  <a:schemeClr val="tx2"/>
-                </a:solidFill>
-              </a:defRPr>
-            </a:lvl5pPr>
-            <a:lvl6pPr eaLnBrk="1" hangingPunct="1">
-              <a:defRPr>
-                <a:solidFill>
-                  <a:schemeClr val="tx2"/>
-                </a:solidFill>
-              </a:defRPr>
-            </a:lvl6pPr>
-            <a:lvl7pPr eaLnBrk="1" hangingPunct="1">
-              <a:defRPr>
-                <a:solidFill>
-                  <a:schemeClr val="tx2"/>
-                </a:solidFill>
-              </a:defRPr>
-            </a:lvl7pPr>
-            <a:lvl8pPr eaLnBrk="1" hangingPunct="1">
-              <a:defRPr>
-                <a:solidFill>
-                  <a:schemeClr val="tx2"/>
-                </a:solidFill>
-              </a:defRPr>
-            </a:lvl8pPr>
-            <a:lvl9pPr eaLnBrk="1" hangingPunct="1">
-              <a:defRPr>
-                <a:solidFill>
-                  <a:schemeClr val="tx2"/>
-                </a:solidFill>
-              </a:defRPr>
-            </a:lvl9pPr>
-          </a:lstStyle>
-          <a:p>
-            <a:r>
-              <a:rPr lang="en-GB" b="1" dirty="0">
-                <a:ln/>
-                <a:solidFill>
-                  <a:schemeClr val="accent4"/>
-                </a:solidFill>
-              </a:rPr>
-              <a:t>Technical Details</a:t>
-            </a:r>
-          </a:p>
-        </p:txBody>
-      </p:sp>
-    </p:spTree>
-    <p:extLst>
-      <p:ext uri="{BB962C8B-B14F-4D97-AF65-F5344CB8AC3E}">
-        <p14:creationId xmlns:p14="http://schemas.microsoft.com/office/powerpoint/2010/main" val="3920174817"/>
-      </p:ext>
-    </p:extLst>
-  </p:cSld>
-  <p:clrMapOvr>
-    <a:masterClrMapping/>
-  </p:clrMapOvr>
-  <p:transition spd="slow">
-    <p:push dir="u"/>
-  </p:transition>
-</p:sld>
-</file>
-
-<file path=ppt/slides/slide7.xml><?xml version="1.0" encoding="utf-8"?>
-<p:sld xmlns:a="http://schemas.openxmlformats.org/drawingml/2006/main" xmlns:r="http://schemas.openxmlformats.org/officeDocument/2006/relationships" xmlns:p="http://schemas.openxmlformats.org/presentationml/2006/main">
-  <p:cSld>
-    <p:spTree>
-      <p:nvGrpSpPr>
-        <p:cNvPr id="1" name=""/>
-        <p:cNvGrpSpPr/>
-        <p:nvPr/>
-      </p:nvGrpSpPr>
-      <p:grpSpPr>
-        <a:xfrm>
-          <a:off x="0" y="0"/>
-          <a:ext cx="0" cy="0"/>
-          <a:chOff x="0" y="0"/>
-          <a:chExt cx="0" cy="0"/>
-        </a:xfrm>
-      </p:grpSpPr>
-      <p:sp>
-        <p:nvSpPr>
-          <p:cNvPr id="2" name="Başlık 1">
-            <a:extLst>
-              <a:ext uri="{FF2B5EF4-FFF2-40B4-BE49-F238E27FC236}">
-                <a16:creationId xmlns:a16="http://schemas.microsoft.com/office/drawing/2014/main" id="{DC96747D-56C9-4BE7-B16E-D80436179804}"/>
-              </a:ext>
-            </a:extLst>
-          </p:cNvPr>
-          <p:cNvSpPr>
-            <a:spLocks noGrp="1"/>
-          </p:cNvSpPr>
-          <p:nvPr>
-            <p:ph type="title"/>
-          </p:nvPr>
-        </p:nvSpPr>
-        <p:spPr/>
-        <p:txBody>
-          <a:bodyPr>
-            <a:scene3d>
-              <a:camera prst="orthographicFront"/>
-              <a:lightRig rig="soft" dir="t">
-                <a:rot lat="0" lon="0" rev="15600000"/>
-              </a:lightRig>
-            </a:scene3d>
-            <a:sp3d extrusionH="57150" prstMaterial="softEdge">
-              <a:bevelT w="25400" h="38100"/>
-            </a:sp3d>
-          </a:bodyPr>
-          <a:lstStyle/>
-          <a:p>
-            <a:r>
-              <a:rPr lang="en-GB" b="1" dirty="0">
-                <a:ln/>
-                <a:solidFill>
-                  <a:schemeClr val="accent4"/>
-                </a:solidFill>
-              </a:rPr>
-              <a:t>Details of Version 1</a:t>
-            </a:r>
-          </a:p>
-        </p:txBody>
-      </p:sp>
-      <p:sp>
-        <p:nvSpPr>
-          <p:cNvPr id="3" name="İçerik Yer Tutucusu 2">
-            <a:extLst>
-              <a:ext uri="{FF2B5EF4-FFF2-40B4-BE49-F238E27FC236}">
-                <a16:creationId xmlns:a16="http://schemas.microsoft.com/office/drawing/2014/main" id="{9879EC07-5C3F-4E79-B4D9-9D81703D3C60}"/>
-              </a:ext>
-            </a:extLst>
-          </p:cNvPr>
-          <p:cNvSpPr>
-            <a:spLocks noGrp="1"/>
-          </p:cNvSpPr>
-          <p:nvPr>
-            <p:ph idx="1"/>
-          </p:nvPr>
-        </p:nvSpPr>
-        <p:spPr>
-          <a:xfrm>
-            <a:off x="2589212" y="1905000"/>
-            <a:ext cx="8915400" cy="4775200"/>
-          </a:xfrm>
-        </p:spPr>
-        <p:txBody>
-          <a:bodyPr>
-            <a:normAutofit/>
-          </a:bodyPr>
-          <a:lstStyle/>
-          <a:p>
-            <a:r>
-              <a:rPr lang="en-GB" dirty="0"/>
-              <a:t>Main function of program takes 3 arguments: </a:t>
-            </a:r>
-          </a:p>
-          <a:p>
-            <a:pPr marL="800100" lvl="1" indent="-342900">
-              <a:buFont typeface="+mj-lt"/>
-              <a:buAutoNum type="arabicPeriod"/>
-            </a:pPr>
-            <a:r>
-              <a:rPr lang="en-GB" dirty="0"/>
-              <a:t>Minimum number of employee</a:t>
-            </a:r>
-          </a:p>
-          <a:p>
-            <a:pPr marL="800100" lvl="1" indent="-342900">
-              <a:buFont typeface="+mj-lt"/>
-              <a:buAutoNum type="arabicPeriod"/>
-            </a:pPr>
-            <a:r>
-              <a:rPr lang="en-GB" dirty="0"/>
-              <a:t>Maximum number of employee</a:t>
-            </a:r>
-          </a:p>
-          <a:p>
-            <a:pPr marL="800100" lvl="1" indent="-342900">
-              <a:buFont typeface="+mj-lt"/>
-              <a:buAutoNum type="arabicPeriod"/>
-            </a:pPr>
-            <a:r>
-              <a:rPr lang="en-GB" dirty="0"/>
-              <a:t>Region index</a:t>
-            </a:r>
-          </a:p>
-          <a:p>
-            <a:pPr>
-              <a:buFont typeface="Wingdings" panose="05000000000000000000" pitchFamily="2" charset="2"/>
-              <a:buChar char="v"/>
-            </a:pPr>
-            <a:r>
-              <a:rPr lang="en-GB"/>
-              <a:t>Total region </a:t>
-            </a:r>
-            <a:r>
-              <a:rPr lang="en-GB" dirty="0"/>
-              <a:t>count is detected by the program and region index is handled automatically.</a:t>
-            </a:r>
-          </a:p>
-          <a:p>
-            <a:pPr marL="0" indent="0">
-              <a:buNone/>
-            </a:pPr>
-            <a:r>
-              <a:rPr lang="en-GB" dirty="0"/>
-              <a:t>When we run program:</a:t>
-            </a:r>
-          </a:p>
-          <a:p>
-            <a:r>
-              <a:rPr lang="en-GB" dirty="0"/>
-              <a:t>Each region is iterated with the current employee number interval.</a:t>
-            </a:r>
-          </a:p>
-          <a:p>
-            <a:r>
-              <a:rPr lang="en-GB" dirty="0"/>
-              <a:t>Then, employee number changes and region index starts from beginning.</a:t>
-            </a:r>
-          </a:p>
-          <a:p>
-            <a:r>
-              <a:rPr lang="en-GB" dirty="0"/>
-              <a:t>After each iteration, program restarts itself with new parameters/filters.</a:t>
-            </a:r>
-          </a:p>
-          <a:p>
-            <a:pPr lvl="1">
-              <a:buFont typeface="Wingdings" panose="05000000000000000000" pitchFamily="2" charset="2"/>
-              <a:buChar char="Ø"/>
-            </a:pPr>
-            <a:r>
-              <a:rPr lang="en-GB" dirty="0"/>
-              <a:t>To free memory use</a:t>
-            </a:r>
-          </a:p>
-          <a:p>
-            <a:pPr lvl="1">
-              <a:buFont typeface="Wingdings" panose="05000000000000000000" pitchFamily="2" charset="2"/>
-              <a:buChar char="Ø"/>
-            </a:pPr>
-            <a:r>
-              <a:rPr lang="en-GB" dirty="0"/>
-              <a:t>To be able to load new filters without crash</a:t>
-            </a:r>
-            <a:br>
-              <a:rPr lang="en-GB" dirty="0"/>
-            </a:br>
-            <a:r>
-              <a:rPr lang="en-GB" dirty="0"/>
-              <a:t>  </a:t>
-            </a:r>
-          </a:p>
-        </p:txBody>
-      </p:sp>
-    </p:spTree>
-    <p:extLst>
-      <p:ext uri="{BB962C8B-B14F-4D97-AF65-F5344CB8AC3E}">
-        <p14:creationId xmlns:p14="http://schemas.microsoft.com/office/powerpoint/2010/main" val="1939367058"/>
-      </p:ext>
-    </p:extLst>
-  </p:cSld>
-  <p:clrMapOvr>
-    <a:masterClrMapping/>
-  </p:clrMapOvr>
-  <p:transition spd="slow">
-    <p:push dir="u"/>
-  </p:transition>
-</p:sld>
-</file>
-
-<file path=ppt/slides/slide8.xml><?xml version="1.0" encoding="utf-8"?>
-<p:sld xmlns:a="http://schemas.openxmlformats.org/drawingml/2006/main" xmlns:r="http://schemas.openxmlformats.org/officeDocument/2006/relationships" xmlns:p="http://schemas.openxmlformats.org/presentationml/2006/main">
-  <p:cSld>
-    <p:spTree>
-      <p:nvGrpSpPr>
-        <p:cNvPr id="1" name=""/>
-        <p:cNvGrpSpPr/>
-        <p:nvPr/>
-      </p:nvGrpSpPr>
-      <p:grpSpPr>
-        <a:xfrm>
-          <a:off x="0" y="0"/>
-          <a:ext cx="0" cy="0"/>
-          <a:chOff x="0" y="0"/>
-          <a:chExt cx="0" cy="0"/>
-        </a:xfrm>
-      </p:grpSpPr>
-      <p:sp>
-        <p:nvSpPr>
-          <p:cNvPr id="2" name="Başlık 1">
-            <a:extLst>
-              <a:ext uri="{FF2B5EF4-FFF2-40B4-BE49-F238E27FC236}">
-                <a16:creationId xmlns:a16="http://schemas.microsoft.com/office/drawing/2014/main" id="{78657ACB-43ED-47EE-8457-17521159579F}"/>
-              </a:ext>
-            </a:extLst>
-          </p:cNvPr>
-          <p:cNvSpPr>
-            <a:spLocks noGrp="1"/>
-          </p:cNvSpPr>
-          <p:nvPr>
-            <p:ph type="title"/>
-          </p:nvPr>
-        </p:nvSpPr>
-        <p:spPr/>
-        <p:txBody>
-          <a:bodyPr/>
-          <a:lstStyle/>
-          <a:p>
-            <a:endParaRPr lang="en-GB"/>
-          </a:p>
-        </p:txBody>
-      </p:sp>
-      <p:sp>
-        <p:nvSpPr>
-          <p:cNvPr id="3" name="İçerik Yer Tutucusu 2">
-            <a:extLst>
-              <a:ext uri="{FF2B5EF4-FFF2-40B4-BE49-F238E27FC236}">
-                <a16:creationId xmlns:a16="http://schemas.microsoft.com/office/drawing/2014/main" id="{E4F35BD5-AC76-4D84-A795-6DCB0E6F793B}"/>
-              </a:ext>
-            </a:extLst>
-          </p:cNvPr>
-          <p:cNvSpPr>
-            <a:spLocks noGrp="1"/>
-          </p:cNvSpPr>
-          <p:nvPr>
-            <p:ph idx="1"/>
-          </p:nvPr>
-        </p:nvSpPr>
-        <p:spPr/>
-        <p:txBody>
-          <a:bodyPr/>
-          <a:lstStyle/>
-          <a:p>
-            <a:endParaRPr lang="en-GB" dirty="0"/>
-          </a:p>
-        </p:txBody>
-      </p:sp>
-      <p:pic>
-        <p:nvPicPr>
-          <p:cNvPr id="4" name="Resim 3" descr="metin, bilgisayar, ekran görüntüsü içeren bir resim&#10;&#10;Açıklama otomatik olarak oluşturuldu">
-            <a:extLst>
-              <a:ext uri="{FF2B5EF4-FFF2-40B4-BE49-F238E27FC236}">
-                <a16:creationId xmlns:a16="http://schemas.microsoft.com/office/drawing/2014/main" id="{98E28C6F-2683-4AA4-B0B4-3B2366E8F0AD}"/>
-              </a:ext>
-            </a:extLst>
-          </p:cNvPr>
-          <p:cNvPicPr>
-            <a:picLocks noChangeAspect="1"/>
-          </p:cNvPicPr>
-          <p:nvPr/>
-        </p:nvPicPr>
-        <p:blipFill rotWithShape="1">
-          <a:blip r:embed="rId2">
-            <a:extLst>
-              <a:ext uri="{28A0092B-C50C-407E-A947-70E740481C1C}">
-                <a14:useLocalDpi xmlns:a14="http://schemas.microsoft.com/office/drawing/2010/main" val="0"/>
-              </a:ext>
-            </a:extLst>
-          </a:blip>
-          <a:srcRect r="32292"/>
-          <a:stretch/>
-        </p:blipFill>
-        <p:spPr>
-          <a:xfrm>
-            <a:off x="-1" y="0"/>
-            <a:ext cx="12185425" cy="4076700"/>
-          </a:xfrm>
-          <a:prstGeom prst="rect">
-            <a:avLst/>
-          </a:prstGeom>
-        </p:spPr>
-      </p:pic>
-      <p:pic>
-        <p:nvPicPr>
-          <p:cNvPr id="5" name="Resim 4" descr="metin, bilgisayar, ekran görüntüsü içeren bir resim&#10;&#10;Açıklama otomatik olarak oluşturuldu">
-            <a:extLst>
-              <a:ext uri="{FF2B5EF4-FFF2-40B4-BE49-F238E27FC236}">
-                <a16:creationId xmlns:a16="http://schemas.microsoft.com/office/drawing/2014/main" id="{9F400411-C3BF-4771-9F8A-30FAA8F8DA34}"/>
-              </a:ext>
-            </a:extLst>
-          </p:cNvPr>
-          <p:cNvPicPr>
-            <a:picLocks noChangeAspect="1"/>
-          </p:cNvPicPr>
-          <p:nvPr/>
-        </p:nvPicPr>
-        <p:blipFill rotWithShape="1">
-          <a:blip r:embed="rId2">
-            <a:extLst>
-              <a:ext uri="{28A0092B-C50C-407E-A947-70E740481C1C}">
-                <a14:useLocalDpi xmlns:a14="http://schemas.microsoft.com/office/drawing/2010/main" val="0"/>
-              </a:ext>
-            </a:extLst>
-          </a:blip>
-          <a:srcRect l="68125"/>
-          <a:stretch/>
-        </p:blipFill>
-        <p:spPr>
-          <a:xfrm>
-            <a:off x="4149611" y="4096245"/>
-            <a:ext cx="3886200" cy="2761755"/>
-          </a:xfrm>
-          <a:prstGeom prst="rect">
-            <a:avLst/>
-          </a:prstGeom>
-        </p:spPr>
-      </p:pic>
-    </p:spTree>
-    <p:extLst>
-      <p:ext uri="{BB962C8B-B14F-4D97-AF65-F5344CB8AC3E}">
-        <p14:creationId xmlns:p14="http://schemas.microsoft.com/office/powerpoint/2010/main" val="1300121420"/>
-      </p:ext>
-    </p:extLst>
-  </p:cSld>
-  <p:clrMapOvr>
-    <a:masterClrMapping/>
-  </p:clrMapOvr>
-  <p:transition spd="med">
-    <p:pull/>
-  </p:transition>
-</p:sld>
-</file>
-
-<file path=ppt/slides/slide9.xml><?xml version="1.0" encoding="utf-8"?>
-<p:sld xmlns:a="http://schemas.openxmlformats.org/drawingml/2006/main" xmlns:r="http://schemas.openxmlformats.org/officeDocument/2006/relationships" xmlns:p="http://schemas.openxmlformats.org/presentationml/2006/main">
-  <p:cSld>
-    <p:spTree>
-      <p:nvGrpSpPr>
-        <p:cNvPr id="1" name=""/>
-        <p:cNvGrpSpPr/>
-        <p:nvPr/>
-      </p:nvGrpSpPr>
-      <p:grpSpPr>
-        <a:xfrm>
-          <a:off x="0" y="0"/>
-          <a:ext cx="0" cy="0"/>
-          <a:chOff x="0" y="0"/>
-          <a:chExt cx="0" cy="0"/>
-        </a:xfrm>
-      </p:grpSpPr>
-      <p:sp>
-        <p:nvSpPr>
-          <p:cNvPr id="2" name="Başlık 1">
-            <a:extLst>
-              <a:ext uri="{FF2B5EF4-FFF2-40B4-BE49-F238E27FC236}">
-                <a16:creationId xmlns:a16="http://schemas.microsoft.com/office/drawing/2014/main" id="{DC96747D-56C9-4BE7-B16E-D80436179804}"/>
-              </a:ext>
-            </a:extLst>
-          </p:cNvPr>
-          <p:cNvSpPr>
-            <a:spLocks noGrp="1"/>
-          </p:cNvSpPr>
-          <p:nvPr>
-            <p:ph type="title"/>
-          </p:nvPr>
-        </p:nvSpPr>
-        <p:spPr/>
-        <p:txBody>
-          <a:bodyPr>
-            <a:scene3d>
-              <a:camera prst="orthographicFront"/>
-              <a:lightRig rig="soft" dir="t">
-                <a:rot lat="0" lon="0" rev="15600000"/>
-              </a:lightRig>
-            </a:scene3d>
-            <a:sp3d extrusionH="57150" prstMaterial="softEdge">
-              <a:bevelT w="25400" h="38100"/>
-            </a:sp3d>
-          </a:bodyPr>
-          <a:lstStyle/>
-          <a:p>
-            <a:r>
-              <a:rPr lang="en-GB" b="1" dirty="0">
-                <a:ln/>
-                <a:solidFill>
-                  <a:schemeClr val="accent4"/>
-                </a:solidFill>
-              </a:rPr>
-              <a:t>Details of Version 2 (Beta)</a:t>
-            </a:r>
-          </a:p>
-        </p:txBody>
-      </p:sp>
-      <p:sp>
-        <p:nvSpPr>
-          <p:cNvPr id="3" name="İçerik Yer Tutucusu 2">
-            <a:extLst>
-              <a:ext uri="{FF2B5EF4-FFF2-40B4-BE49-F238E27FC236}">
-                <a16:creationId xmlns:a16="http://schemas.microsoft.com/office/drawing/2014/main" id="{9879EC07-5C3F-4E79-B4D9-9D81703D3C60}"/>
-              </a:ext>
-            </a:extLst>
-          </p:cNvPr>
-          <p:cNvSpPr>
-            <a:spLocks noGrp="1"/>
-          </p:cNvSpPr>
-          <p:nvPr>
-            <p:ph idx="1"/>
-          </p:nvPr>
-        </p:nvSpPr>
-        <p:spPr>
-          <a:xfrm>
-            <a:off x="2589212" y="1904999"/>
-            <a:ext cx="8915400" cy="4741278"/>
-          </a:xfrm>
-        </p:spPr>
-        <p:txBody>
-          <a:bodyPr>
-            <a:normAutofit lnSpcReduction="10000"/>
-          </a:bodyPr>
-          <a:lstStyle/>
-          <a:p>
-            <a:r>
-              <a:rPr lang="en-GB" dirty="0"/>
-              <a:t>Main function of program takes 3 arguments: </a:t>
-            </a:r>
-          </a:p>
-          <a:p>
-            <a:pPr marL="800100" lvl="1" indent="-342900">
-              <a:buFont typeface="+mj-lt"/>
-              <a:buAutoNum type="arabicParenR"/>
-            </a:pPr>
-            <a:r>
-              <a:rPr lang="en-GB" b="1" dirty="0"/>
-              <a:t>Index of tuple list </a:t>
-            </a:r>
-            <a:r>
-              <a:rPr lang="en-GB" dirty="0"/>
-              <a:t>where minimum and maximum employee numbers are held.</a:t>
-            </a:r>
-          </a:p>
-          <a:p>
-            <a:pPr marL="800100" lvl="1" indent="-342900">
-              <a:buFont typeface="+mj-lt"/>
-              <a:buAutoNum type="arabicParenR"/>
-            </a:pPr>
-            <a:r>
-              <a:rPr lang="en-GB" b="1" dirty="0"/>
-              <a:t>Corporation start date </a:t>
-            </a:r>
-            <a:r>
-              <a:rPr lang="en-GB" dirty="0"/>
-              <a:t>of last iteration, that date will be set as end date of next iteration. And start date of new iteration is calculated automatically.</a:t>
-            </a:r>
-          </a:p>
-          <a:p>
-            <a:pPr lvl="2">
-              <a:buFont typeface="Arial" panose="020B0604020202020204" pitchFamily="34" charset="0"/>
-              <a:buChar char="•"/>
-            </a:pPr>
-            <a:r>
-              <a:rPr lang="en-GB" dirty="0"/>
-              <a:t>Specifically calculated corporation date interval, brings data in the amount that you want. I set it to ‘less than 7000’.</a:t>
-            </a:r>
-          </a:p>
-          <a:p>
-            <a:pPr marL="800100" lvl="1" indent="-342900">
-              <a:buFont typeface="+mj-lt"/>
-              <a:buAutoNum type="arabicParenR"/>
-            </a:pPr>
-            <a:r>
-              <a:rPr lang="en-GB" dirty="0"/>
-              <a:t>And a </a:t>
-            </a:r>
-            <a:r>
-              <a:rPr lang="en-GB" b="1" dirty="0"/>
-              <a:t>Boolean</a:t>
-            </a:r>
-            <a:r>
-              <a:rPr lang="en-GB" dirty="0"/>
-              <a:t> that basically indicates either to change date interval or employee number.</a:t>
-            </a:r>
-          </a:p>
-          <a:p>
-            <a:pPr lvl="1">
-              <a:buFont typeface="Wingdings" panose="05000000000000000000" pitchFamily="2" charset="2"/>
-              <a:buChar char="v"/>
-            </a:pPr>
-            <a:r>
-              <a:rPr lang="en-GB" dirty="0"/>
-              <a:t>Region is not used for filtering anymore because some countries aren’t displayed under any region. </a:t>
-            </a:r>
-          </a:p>
-          <a:p>
-            <a:r>
-              <a:rPr lang="en-GB" dirty="0"/>
-              <a:t>Corporation date could be the best choice as filter. For crucial reasons:</a:t>
-            </a:r>
-          </a:p>
-          <a:p>
-            <a:pPr lvl="1">
-              <a:buFont typeface="Wingdings" panose="05000000000000000000" pitchFamily="2" charset="2"/>
-              <a:buChar char="Ø"/>
-            </a:pPr>
-            <a:r>
-              <a:rPr lang="en-GB" dirty="0"/>
-              <a:t>We can change </a:t>
-            </a:r>
-            <a:r>
-              <a:rPr lang="en-GB" b="1" dirty="0"/>
-              <a:t>date interval </a:t>
-            </a:r>
-            <a:r>
-              <a:rPr lang="en-GB" dirty="0"/>
-              <a:t>as we wish and bring as many as data we want.</a:t>
-            </a:r>
-          </a:p>
-          <a:p>
-            <a:pPr lvl="1">
-              <a:buFont typeface="Wingdings" panose="05000000000000000000" pitchFamily="2" charset="2"/>
-              <a:buChar char="Ø"/>
-            </a:pPr>
-            <a:r>
-              <a:rPr lang="en-GB" dirty="0"/>
-              <a:t>All data rows belong to some date interval, so all data can be scraped without loss.</a:t>
-            </a:r>
-          </a:p>
-          <a:p>
-            <a:r>
-              <a:rPr lang="en-GB" dirty="0"/>
-              <a:t>I really wish I had access to data source for longer time, so I could finish it.</a:t>
-            </a:r>
-          </a:p>
-        </p:txBody>
-      </p:sp>
-    </p:spTree>
-    <p:extLst>
-      <p:ext uri="{BB962C8B-B14F-4D97-AF65-F5344CB8AC3E}">
-        <p14:creationId xmlns:p14="http://schemas.microsoft.com/office/powerpoint/2010/main" val="2733042547"/>
-      </p:ext>
-    </p:extLst>
-  </p:cSld>
-  <p:clrMapOvr>
-    <a:masterClrMapping/>
-  </p:clrMapOvr>
-  <p:transition spd="slow">
-    <p:push dir="u"/>
-  </p:transition>
 </p:sld>
 </file>
 
